--- a/Intermediary Presentation.pptx
+++ b/Intermediary Presentation.pptx
@@ -144,7 +144,7 @@
 <file path=ppt/revisionInfo.xml><?xml version="1.0" encoding="utf-8"?>
 <p1510:revInfo xmlns:a="http://schemas.openxmlformats.org/drawingml/2006/main" xmlns:r="http://schemas.openxmlformats.org/officeDocument/2006/relationships" xmlns:p1510="http://schemas.microsoft.com/office/powerpoint/2015/10/main">
   <p1510:revLst>
-    <p1510:client id="{7D17E82B-CE46-49E5-A84E-E2FFE4F43B4F}" v="1039" dt="2020-06-06T14:52:35.205"/>
+    <p1510:client id="{7D17E82B-CE46-49E5-A84E-E2FFE4F43B4F}" v="1050" dt="2020-06-07T15:19:41.589"/>
   </p1510:revLst>
 </p1510:revInfo>
 </file>
@@ -154,7 +154,7 @@
   <pc:docChgLst>
     <pc:chgData name="Sabrina De Oliveira" userId="34420f5773a88cdb" providerId="LiveId" clId="{7D17E82B-CE46-49E5-A84E-E2FFE4F43B4F}"/>
     <pc:docChg chg="undo redo custSel mod addSld delSld modSld sldOrd">
-      <pc:chgData name="Sabrina De Oliveira" userId="34420f5773a88cdb" providerId="LiveId" clId="{7D17E82B-CE46-49E5-A84E-E2FFE4F43B4F}" dt="2020-06-06T14:53:13.960" v="12558" actId="1076"/>
+      <pc:chgData name="Sabrina De Oliveira" userId="34420f5773a88cdb" providerId="LiveId" clId="{7D17E82B-CE46-49E5-A84E-E2FFE4F43B4F}" dt="2020-06-07T15:19:41.589" v="12635" actId="5793"/>
       <pc:docMkLst>
         <pc:docMk/>
       </pc:docMkLst>
@@ -1602,7 +1602,7 @@
         </pc:picChg>
       </pc:sldChg>
       <pc:sldChg chg="addSp delSp modSp add mod ord modAnim">
-        <pc:chgData name="Sabrina De Oliveira" userId="34420f5773a88cdb" providerId="LiveId" clId="{7D17E82B-CE46-49E5-A84E-E2FFE4F43B4F}" dt="2020-06-05T14:06:07.347" v="12368" actId="20577"/>
+        <pc:chgData name="Sabrina De Oliveira" userId="34420f5773a88cdb" providerId="LiveId" clId="{7D17E82B-CE46-49E5-A84E-E2FFE4F43B4F}" dt="2020-06-07T15:19:30.646" v="12625" actId="5793"/>
         <pc:sldMkLst>
           <pc:docMk/>
           <pc:sldMk cId="83129120" sldId="269"/>
@@ -1648,7 +1648,7 @@
           </ac:spMkLst>
         </pc:spChg>
         <pc:spChg chg="add mod">
-          <ac:chgData name="Sabrina De Oliveira" userId="34420f5773a88cdb" providerId="LiveId" clId="{7D17E82B-CE46-49E5-A84E-E2FFE4F43B4F}" dt="2020-06-05T13:10:34.279" v="11064" actId="20577"/>
+          <ac:chgData name="Sabrina De Oliveira" userId="34420f5773a88cdb" providerId="LiveId" clId="{7D17E82B-CE46-49E5-A84E-E2FFE4F43B4F}" dt="2020-06-07T15:19:30.646" v="12625" actId="5793"/>
           <ac:spMkLst>
             <pc:docMk/>
             <pc:sldMk cId="83129120" sldId="269"/>
@@ -2397,7 +2397,7 @@
         </pc:picChg>
       </pc:sldChg>
       <pc:sldChg chg="addSp delSp modSp add mod ord delAnim modAnim">
-        <pc:chgData name="Sabrina De Oliveira" userId="34420f5773a88cdb" providerId="LiveId" clId="{7D17E82B-CE46-49E5-A84E-E2FFE4F43B4F}" dt="2020-06-05T14:01:10.470" v="12271" actId="478"/>
+        <pc:chgData name="Sabrina De Oliveira" userId="34420f5773a88cdb" providerId="LiveId" clId="{7D17E82B-CE46-49E5-A84E-E2FFE4F43B4F}" dt="2020-06-07T15:19:41.589" v="12635" actId="5793"/>
         <pc:sldMkLst>
           <pc:docMk/>
           <pc:sldMk cId="4262503204" sldId="274"/>
@@ -2555,7 +2555,7 @@
           </ac:spMkLst>
         </pc:spChg>
         <pc:spChg chg="mod">
-          <ac:chgData name="Sabrina De Oliveira" userId="34420f5773a88cdb" providerId="LiveId" clId="{7D17E82B-CE46-49E5-A84E-E2FFE4F43B4F}" dt="2020-06-05T13:11:24.317" v="11105" actId="14100"/>
+          <ac:chgData name="Sabrina De Oliveira" userId="34420f5773a88cdb" providerId="LiveId" clId="{7D17E82B-CE46-49E5-A84E-E2FFE4F43B4F}" dt="2020-06-07T15:19:41.589" v="12635" actId="5793"/>
           <ac:spMkLst>
             <pc:docMk/>
             <pc:sldMk cId="4262503204" sldId="274"/>
@@ -4545,7 +4545,7 @@
         </pc:sldMkLst>
       </pc:sldChg>
       <pc:sldChg chg="addSp delSp modSp add mod modClrScheme chgLayout">
-        <pc:chgData name="Sabrina De Oliveira" userId="34420f5773a88cdb" providerId="LiveId" clId="{7D17E82B-CE46-49E5-A84E-E2FFE4F43B4F}" dt="2020-06-06T14:53:13.960" v="12558" actId="1076"/>
+        <pc:chgData name="Sabrina De Oliveira" userId="34420f5773a88cdb" providerId="LiveId" clId="{7D17E82B-CE46-49E5-A84E-E2FFE4F43B4F}" dt="2020-06-07T13:33:00.528" v="12613" actId="1076"/>
         <pc:sldMkLst>
           <pc:docMk/>
           <pc:sldMk cId="98910856" sldId="294"/>
@@ -4887,7 +4887,7 @@
           </ac:spMkLst>
         </pc:spChg>
         <pc:graphicFrameChg chg="add mod ord modGraphic">
-          <ac:chgData name="Sabrina De Oliveira" userId="34420f5773a88cdb" providerId="LiveId" clId="{7D17E82B-CE46-49E5-A84E-E2FFE4F43B4F}" dt="2020-06-06T14:53:13.960" v="12558" actId="1076"/>
+          <ac:chgData name="Sabrina De Oliveira" userId="34420f5773a88cdb" providerId="LiveId" clId="{7D17E82B-CE46-49E5-A84E-E2FFE4F43B4F}" dt="2020-06-07T13:33:00.528" v="12613" actId="1076"/>
           <ac:graphicFrameMkLst>
             <pc:docMk/>
             <pc:sldMk cId="98910856" sldId="294"/>
@@ -4895,7 +4895,7 @@
           </ac:graphicFrameMkLst>
         </pc:graphicFrameChg>
         <pc:graphicFrameChg chg="add mod modGraphic">
-          <ac:chgData name="Sabrina De Oliveira" userId="34420f5773a88cdb" providerId="LiveId" clId="{7D17E82B-CE46-49E5-A84E-E2FFE4F43B4F}" dt="2020-06-05T13:52:31.588" v="12163" actId="1076"/>
+          <ac:chgData name="Sabrina De Oliveira" userId="34420f5773a88cdb" providerId="LiveId" clId="{7D17E82B-CE46-49E5-A84E-E2FFE4F43B4F}" dt="2020-06-07T13:32:42.546" v="12610" actId="1076"/>
           <ac:graphicFrameMkLst>
             <pc:docMk/>
             <pc:sldMk cId="98910856" sldId="294"/>
@@ -5006,7 +5006,7 @@
           <a:p>
             <a:fld id="{648224E9-0BB2-4646-9AE5-CD7A1B5C2C89}" type="datetimeFigureOut">
               <a:rPr lang="en-GB" smtClean="0"/>
-              <a:t>06/06/2020</a:t>
+              <a:t>07/06/2020</a:t>
             </a:fld>
             <a:endParaRPr lang="en-GB"/>
           </a:p>
@@ -6641,7 +6641,7 @@
           <a:p>
             <a:fld id="{DA5AD436-A087-4A72-A71C-DCC7BC3259CA}" type="datetimeFigureOut">
               <a:rPr lang="en-GB" smtClean="0"/>
-              <a:t>06/06/2020</a:t>
+              <a:t>07/06/2020</a:t>
             </a:fld>
             <a:endParaRPr lang="en-GB"/>
           </a:p>
@@ -6916,7 +6916,7 @@
           <a:p>
             <a:fld id="{DA5AD436-A087-4A72-A71C-DCC7BC3259CA}" type="datetimeFigureOut">
               <a:rPr lang="en-GB" smtClean="0"/>
-              <a:t>06/06/2020</a:t>
+              <a:t>07/06/2020</a:t>
             </a:fld>
             <a:endParaRPr lang="en-GB"/>
           </a:p>
@@ -7110,7 +7110,7 @@
           <a:p>
             <a:fld id="{DA5AD436-A087-4A72-A71C-DCC7BC3259CA}" type="datetimeFigureOut">
               <a:rPr lang="en-GB" smtClean="0"/>
-              <a:t>06/06/2020</a:t>
+              <a:t>07/06/2020</a:t>
             </a:fld>
             <a:endParaRPr lang="en-GB"/>
           </a:p>
@@ -7383,7 +7383,7 @@
           <a:p>
             <a:fld id="{DA5AD436-A087-4A72-A71C-DCC7BC3259CA}" type="datetimeFigureOut">
               <a:rPr lang="en-GB" smtClean="0"/>
-              <a:t>06/06/2020</a:t>
+              <a:t>07/06/2020</a:t>
             </a:fld>
             <a:endParaRPr lang="en-GB"/>
           </a:p>
@@ -7724,7 +7724,7 @@
           <a:p>
             <a:fld id="{DA5AD436-A087-4A72-A71C-DCC7BC3259CA}" type="datetimeFigureOut">
               <a:rPr lang="en-GB" smtClean="0"/>
-              <a:t>06/06/2020</a:t>
+              <a:t>07/06/2020</a:t>
             </a:fld>
             <a:endParaRPr lang="en-GB"/>
           </a:p>
@@ -8347,7 +8347,7 @@
           <a:p>
             <a:fld id="{DA5AD436-A087-4A72-A71C-DCC7BC3259CA}" type="datetimeFigureOut">
               <a:rPr lang="en-GB" smtClean="0"/>
-              <a:t>06/06/2020</a:t>
+              <a:t>07/06/2020</a:t>
             </a:fld>
             <a:endParaRPr lang="en-GB"/>
           </a:p>
@@ -9207,7 +9207,7 @@
           <a:p>
             <a:fld id="{DA5AD436-A087-4A72-A71C-DCC7BC3259CA}" type="datetimeFigureOut">
               <a:rPr lang="en-GB" smtClean="0"/>
-              <a:t>06/06/2020</a:t>
+              <a:t>07/06/2020</a:t>
             </a:fld>
             <a:endParaRPr lang="en-GB"/>
           </a:p>
@@ -9377,7 +9377,7 @@
           <a:p>
             <a:fld id="{DA5AD436-A087-4A72-A71C-DCC7BC3259CA}" type="datetimeFigureOut">
               <a:rPr lang="en-GB" smtClean="0"/>
-              <a:t>06/06/2020</a:t>
+              <a:t>07/06/2020</a:t>
             </a:fld>
             <a:endParaRPr lang="en-GB"/>
           </a:p>
@@ -9557,7 +9557,7 @@
           <a:p>
             <a:fld id="{DA5AD436-A087-4A72-A71C-DCC7BC3259CA}" type="datetimeFigureOut">
               <a:rPr lang="en-GB" smtClean="0"/>
-              <a:t>06/06/2020</a:t>
+              <a:t>07/06/2020</a:t>
             </a:fld>
             <a:endParaRPr lang="en-GB"/>
           </a:p>
@@ -9727,7 +9727,7 @@
           <a:p>
             <a:fld id="{DA5AD436-A087-4A72-A71C-DCC7BC3259CA}" type="datetimeFigureOut">
               <a:rPr lang="en-GB" smtClean="0"/>
-              <a:t>06/06/2020</a:t>
+              <a:t>07/06/2020</a:t>
             </a:fld>
             <a:endParaRPr lang="en-GB"/>
           </a:p>
@@ -9974,7 +9974,7 @@
           <a:p>
             <a:fld id="{DA5AD436-A087-4A72-A71C-DCC7BC3259CA}" type="datetimeFigureOut">
               <a:rPr lang="en-GB" smtClean="0"/>
-              <a:t>06/06/2020</a:t>
+              <a:t>07/06/2020</a:t>
             </a:fld>
             <a:endParaRPr lang="en-GB"/>
           </a:p>
@@ -10266,7 +10266,7 @@
           <a:p>
             <a:fld id="{DA5AD436-A087-4A72-A71C-DCC7BC3259CA}" type="datetimeFigureOut">
               <a:rPr lang="en-GB" smtClean="0"/>
-              <a:t>06/06/2020</a:t>
+              <a:t>07/06/2020</a:t>
             </a:fld>
             <a:endParaRPr lang="en-GB"/>
           </a:p>
@@ -10710,7 +10710,7 @@
           <a:p>
             <a:fld id="{DA5AD436-A087-4A72-A71C-DCC7BC3259CA}" type="datetimeFigureOut">
               <a:rPr lang="en-GB" smtClean="0"/>
-              <a:t>06/06/2020</a:t>
+              <a:t>07/06/2020</a:t>
             </a:fld>
             <a:endParaRPr lang="en-GB"/>
           </a:p>
@@ -10828,7 +10828,7 @@
           <a:p>
             <a:fld id="{DA5AD436-A087-4A72-A71C-DCC7BC3259CA}" type="datetimeFigureOut">
               <a:rPr lang="en-GB" smtClean="0"/>
-              <a:t>06/06/2020</a:t>
+              <a:t>07/06/2020</a:t>
             </a:fld>
             <a:endParaRPr lang="en-GB"/>
           </a:p>
@@ -10923,7 +10923,7 @@
           <a:p>
             <a:fld id="{DA5AD436-A087-4A72-A71C-DCC7BC3259CA}" type="datetimeFigureOut">
               <a:rPr lang="en-GB" smtClean="0"/>
-              <a:t>06/06/2020</a:t>
+              <a:t>07/06/2020</a:t>
             </a:fld>
             <a:endParaRPr lang="en-GB"/>
           </a:p>
@@ -11202,7 +11202,7 @@
           <a:p>
             <a:fld id="{DA5AD436-A087-4A72-A71C-DCC7BC3259CA}" type="datetimeFigureOut">
               <a:rPr lang="en-GB" smtClean="0"/>
-              <a:t>06/06/2020</a:t>
+              <a:t>07/06/2020</a:t>
             </a:fld>
             <a:endParaRPr lang="en-GB"/>
           </a:p>
@@ -11477,7 +11477,7 @@
           <a:p>
             <a:fld id="{DA5AD436-A087-4A72-A71C-DCC7BC3259CA}" type="datetimeFigureOut">
               <a:rPr lang="en-GB" smtClean="0"/>
-              <a:t>06/06/2020</a:t>
+              <a:t>07/06/2020</a:t>
             </a:fld>
             <a:endParaRPr lang="en-GB"/>
           </a:p>
@@ -11906,7 +11906,7 @@
           <a:p>
             <a:fld id="{DA5AD436-A087-4A72-A71C-DCC7BC3259CA}" type="datetimeFigureOut">
               <a:rPr lang="en-GB" smtClean="0"/>
-              <a:t>06/06/2020</a:t>
+              <a:t>07/06/2020</a:t>
             </a:fld>
             <a:endParaRPr lang="en-GB"/>
           </a:p>
@@ -17650,7 +17650,7 @@
             </a:pPr>
             <a:r>
               <a:rPr lang="en-GB" u="sng" dirty="0"/>
-              <a:t>CCA</a:t>
+              <a:t>Sparse CCA</a:t>
             </a:r>
           </a:p>
           <a:p>
@@ -19571,14 +19571,14 @@
             <p:ph sz="quarter" idx="4"/>
             <p:extLst>
               <p:ext uri="{D42A27DB-BD31-4B8C-83A1-F6EECF244321}">
-                <p14:modId xmlns:p14="http://schemas.microsoft.com/office/powerpoint/2010/main" val="4205643004"/>
+                <p14:modId xmlns:p14="http://schemas.microsoft.com/office/powerpoint/2010/main" val="162649504"/>
               </p:ext>
             </p:extLst>
           </p:nvPr>
         </p:nvGraphicFramePr>
         <p:xfrm>
-          <a:off x="1311459" y="3117589"/>
-          <a:ext cx="4395787" cy="3688080"/>
+          <a:off x="646111" y="3096159"/>
+          <a:ext cx="5061135" cy="3688080"/>
         </p:xfrm>
         <a:graphic>
           <a:graphicData uri="http://schemas.openxmlformats.org/drawingml/2006/table">
@@ -19587,14 +19587,14 @@
                 <a:tableStyleId>{5C22544A-7EE6-4342-B048-85BDC9FD1C3A}</a:tableStyleId>
               </a:tblPr>
               <a:tblGrid>
-                <a:gridCol w="2209239">
+                <a:gridCol w="2543630">
                   <a:extLst>
                     <a:ext uri="{9D8B030D-6E8A-4147-A177-3AD203B41FA5}">
                       <a16:colId xmlns:a16="http://schemas.microsoft.com/office/drawing/2014/main" val="3481512365"/>
                     </a:ext>
                   </a:extLst>
                 </a:gridCol>
-                <a:gridCol w="2186548">
+                <a:gridCol w="2517505">
                   <a:extLst>
                     <a:ext uri="{9D8B030D-6E8A-4147-A177-3AD203B41FA5}">
                       <a16:colId xmlns:a16="http://schemas.microsoft.com/office/drawing/2014/main" val="954277969"/>
@@ -19611,7 +19611,7 @@
                       <a:pPr algn="ctr"/>
                       <a:r>
                         <a:rPr lang="en-GB" dirty="0"/>
-                        <a:t>IR</a:t>
+                        <a:t>More abundant in IR</a:t>
                       </a:r>
                     </a:p>
                   </a:txBody>
@@ -19625,7 +19625,7 @@
                       <a:pPr algn="ctr"/>
                       <a:r>
                         <a:rPr lang="en-GB" dirty="0"/>
-                        <a:t>IS</a:t>
+                        <a:t>Less abundant in IR</a:t>
                       </a:r>
                     </a:p>
                   </a:txBody>
@@ -20583,14 +20583,14 @@
           <p:nvPr>
             <p:extLst>
               <p:ext uri="{D42A27DB-BD31-4B8C-83A1-F6EECF244321}">
-                <p14:modId xmlns:p14="http://schemas.microsoft.com/office/powerpoint/2010/main" val="1964391608"/>
+                <p14:modId xmlns:p14="http://schemas.microsoft.com/office/powerpoint/2010/main" val="2229029026"/>
               </p:ext>
             </p:extLst>
           </p:nvPr>
         </p:nvGraphicFramePr>
         <p:xfrm>
-          <a:off x="6172763" y="3117589"/>
-          <a:ext cx="4395788" cy="2776435"/>
+          <a:off x="6096000" y="3096159"/>
+          <a:ext cx="5061136" cy="2776435"/>
         </p:xfrm>
         <a:graphic>
           <a:graphicData uri="http://schemas.openxmlformats.org/drawingml/2006/table">
@@ -20599,14 +20599,14 @@
                 <a:tableStyleId>{5C22544A-7EE6-4342-B048-85BDC9FD1C3A}</a:tableStyleId>
               </a:tblPr>
               <a:tblGrid>
-                <a:gridCol w="2197894">
+                <a:gridCol w="2530568">
                   <a:extLst>
                     <a:ext uri="{9D8B030D-6E8A-4147-A177-3AD203B41FA5}">
                       <a16:colId xmlns:a16="http://schemas.microsoft.com/office/drawing/2014/main" val="1405396964"/>
                     </a:ext>
                   </a:extLst>
                 </a:gridCol>
-                <a:gridCol w="2197894">
+                <a:gridCol w="2530568">
                   <a:extLst>
                     <a:ext uri="{9D8B030D-6E8A-4147-A177-3AD203B41FA5}">
                       <a16:colId xmlns:a16="http://schemas.microsoft.com/office/drawing/2014/main" val="954277969"/>
@@ -20623,7 +20623,7 @@
                       <a:pPr algn="ctr"/>
                       <a:r>
                         <a:rPr lang="en-GB" dirty="0"/>
-                        <a:t>IR</a:t>
+                        <a:t>More abundant in IR</a:t>
                       </a:r>
                     </a:p>
                   </a:txBody>
@@ -20637,7 +20637,7 @@
                       <a:pPr algn="ctr"/>
                       <a:r>
                         <a:rPr lang="en-GB" dirty="0"/>
-                        <a:t>IS</a:t>
+                        <a:t>Less abundant in IR</a:t>
                       </a:r>
                     </a:p>
                   </a:txBody>
@@ -23910,7 +23910,7 @@
             </a:pPr>
             <a:r>
               <a:rPr lang="en-GB" dirty="0"/>
-              <a:t>CCA, PCA &amp; PERMANOVA</a:t>
+              <a:t>Sparse CCA, PCA &amp; PERMANOVA</a:t>
             </a:r>
           </a:p>
           <a:p>

--- a/Intermediary Presentation.pptx
+++ b/Intermediary Presentation.pptx
@@ -25,15 +25,15 @@
     <p:sldId id="288" r:id="rId16"/>
     <p:sldId id="284" r:id="rId17"/>
     <p:sldId id="283" r:id="rId18"/>
-    <p:sldId id="282" r:id="rId19"/>
-    <p:sldId id="265" r:id="rId20"/>
-    <p:sldId id="292" r:id="rId21"/>
-    <p:sldId id="269" r:id="rId22"/>
-    <p:sldId id="281" r:id="rId23"/>
-    <p:sldId id="294" r:id="rId24"/>
-    <p:sldId id="270" r:id="rId25"/>
-    <p:sldId id="271" r:id="rId26"/>
-    <p:sldId id="260" r:id="rId27"/>
+    <p:sldId id="265" r:id="rId19"/>
+    <p:sldId id="292" r:id="rId20"/>
+    <p:sldId id="269" r:id="rId21"/>
+    <p:sldId id="281" r:id="rId22"/>
+    <p:sldId id="294" r:id="rId23"/>
+    <p:sldId id="270" r:id="rId24"/>
+    <p:sldId id="271" r:id="rId25"/>
+    <p:sldId id="260" r:id="rId26"/>
+    <p:sldId id="282" r:id="rId27"/>
     <p:sldId id="293" r:id="rId28"/>
   </p:sldIdLst>
   <p:sldSz cx="12192000" cy="6858000"/>
@@ -144,7 +144,7 @@
 <file path=ppt/revisionInfo.xml><?xml version="1.0" encoding="utf-8"?>
 <p1510:revInfo xmlns:a="http://schemas.openxmlformats.org/drawingml/2006/main" xmlns:r="http://schemas.openxmlformats.org/officeDocument/2006/relationships" xmlns:p1510="http://schemas.microsoft.com/office/powerpoint/2015/10/main">
   <p1510:revLst>
-    <p1510:client id="{7D17E82B-CE46-49E5-A84E-E2FFE4F43B4F}" v="1050" dt="2020-06-07T15:19:41.589"/>
+    <p1510:client id="{7D17E82B-CE46-49E5-A84E-E2FFE4F43B4F}" v="1084" dt="2020-06-08T12:07:43.879"/>
   </p1510:revLst>
 </p1510:revInfo>
 </file>
@@ -154,7 +154,7 @@
   <pc:docChgLst>
     <pc:chgData name="Sabrina De Oliveira" userId="34420f5773a88cdb" providerId="LiveId" clId="{7D17E82B-CE46-49E5-A84E-E2FFE4F43B4F}"/>
     <pc:docChg chg="undo redo custSel mod addSld delSld modSld sldOrd">
-      <pc:chgData name="Sabrina De Oliveira" userId="34420f5773a88cdb" providerId="LiveId" clId="{7D17E82B-CE46-49E5-A84E-E2FFE4F43B4F}" dt="2020-06-07T15:19:41.589" v="12635" actId="5793"/>
+      <pc:chgData name="Sabrina De Oliveira" userId="34420f5773a88cdb" providerId="LiveId" clId="{7D17E82B-CE46-49E5-A84E-E2FFE4F43B4F}" dt="2020-06-08T14:02:57.743" v="12760" actId="27636"/>
       <pc:docMkLst>
         <pc:docMk/>
       </pc:docMkLst>
@@ -356,7 +356,7 @@
         </pc:picChg>
       </pc:sldChg>
       <pc:sldChg chg="modSp new mod">
-        <pc:chgData name="Sabrina De Oliveira" userId="34420f5773a88cdb" providerId="LiveId" clId="{7D17E82B-CE46-49E5-A84E-E2FFE4F43B4F}" dt="2020-06-03T09:37:18.340" v="343" actId="1076"/>
+        <pc:chgData name="Sabrina De Oliveira" userId="34420f5773a88cdb" providerId="LiveId" clId="{7D17E82B-CE46-49E5-A84E-E2FFE4F43B4F}" dt="2020-06-08T14:02:57.743" v="12760" actId="27636"/>
         <pc:sldMkLst>
           <pc:docMk/>
           <pc:sldMk cId="3231898379" sldId="259"/>
@@ -370,7 +370,7 @@
           </ac:spMkLst>
         </pc:spChg>
         <pc:spChg chg="mod">
-          <ac:chgData name="Sabrina De Oliveira" userId="34420f5773a88cdb" providerId="LiveId" clId="{7D17E82B-CE46-49E5-A84E-E2FFE4F43B4F}" dt="2020-06-03T09:05:46.721" v="341" actId="1076"/>
+          <ac:chgData name="Sabrina De Oliveira" userId="34420f5773a88cdb" providerId="LiveId" clId="{7D17E82B-CE46-49E5-A84E-E2FFE4F43B4F}" dt="2020-06-08T14:02:57.743" v="12760" actId="27636"/>
           <ac:spMkLst>
             <pc:docMk/>
             <pc:sldMk cId="3231898379" sldId="259"/>
@@ -379,7 +379,7 @@
         </pc:spChg>
       </pc:sldChg>
       <pc:sldChg chg="addSp delSp modSp add mod ord modTransition">
-        <pc:chgData name="Sabrina De Oliveira" userId="34420f5773a88cdb" providerId="LiveId" clId="{7D17E82B-CE46-49E5-A84E-E2FFE4F43B4F}" dt="2020-06-05T14:10:17.971" v="12394"/>
+        <pc:chgData name="Sabrina De Oliveira" userId="34420f5773a88cdb" providerId="LiveId" clId="{7D17E82B-CE46-49E5-A84E-E2FFE4F43B4F}" dt="2020-06-08T12:03:14.426" v="12659" actId="20578"/>
         <pc:sldMkLst>
           <pc:docMk/>
           <pc:sldMk cId="869727526" sldId="260"/>
@@ -934,7 +934,7 @@
         </pc:picChg>
       </pc:sldChg>
       <pc:sldChg chg="addSp delSp modSp add mod ord setBg modClrScheme setClrOvrMap chgLayout modNotesTx">
-        <pc:chgData name="Sabrina De Oliveira" userId="34420f5773a88cdb" providerId="LiveId" clId="{7D17E82B-CE46-49E5-A84E-E2FFE4F43B4F}" dt="2020-06-05T14:05:40.816" v="12354" actId="478"/>
+        <pc:chgData name="Sabrina De Oliveira" userId="34420f5773a88cdb" providerId="LiveId" clId="{7D17E82B-CE46-49E5-A84E-E2FFE4F43B4F}" dt="2020-06-08T12:01:09.017" v="12641" actId="20577"/>
         <pc:sldMkLst>
           <pc:docMk/>
           <pc:sldMk cId="475363969" sldId="265"/>
@@ -1036,7 +1036,7 @@
           </ac:spMkLst>
         </pc:spChg>
         <pc:spChg chg="add mod ord">
-          <ac:chgData name="Sabrina De Oliveira" userId="34420f5773a88cdb" providerId="LiveId" clId="{7D17E82B-CE46-49E5-A84E-E2FFE4F43B4F}" dt="2020-06-05T14:05:35.489" v="12352" actId="20577"/>
+          <ac:chgData name="Sabrina De Oliveira" userId="34420f5773a88cdb" providerId="LiveId" clId="{7D17E82B-CE46-49E5-A84E-E2FFE4F43B4F}" dt="2020-06-08T12:01:09.017" v="12641" actId="20577"/>
           <ac:spMkLst>
             <pc:docMk/>
             <pc:sldMk cId="475363969" sldId="265"/>
@@ -1602,7 +1602,7 @@
         </pc:picChg>
       </pc:sldChg>
       <pc:sldChg chg="addSp delSp modSp add mod ord modAnim">
-        <pc:chgData name="Sabrina De Oliveira" userId="34420f5773a88cdb" providerId="LiveId" clId="{7D17E82B-CE46-49E5-A84E-E2FFE4F43B4F}" dt="2020-06-07T15:19:30.646" v="12625" actId="5793"/>
+        <pc:chgData name="Sabrina De Oliveira" userId="34420f5773a88cdb" providerId="LiveId" clId="{7D17E82B-CE46-49E5-A84E-E2FFE4F43B4F}" dt="2020-06-08T12:01:18.651" v="12647" actId="20577"/>
         <pc:sldMkLst>
           <pc:docMk/>
           <pc:sldMk cId="83129120" sldId="269"/>
@@ -1624,7 +1624,7 @@
           </ac:spMkLst>
         </pc:spChg>
         <pc:spChg chg="add del mod">
-          <ac:chgData name="Sabrina De Oliveira" userId="34420f5773a88cdb" providerId="LiveId" clId="{7D17E82B-CE46-49E5-A84E-E2FFE4F43B4F}" dt="2020-06-05T14:06:07.347" v="12368" actId="20577"/>
+          <ac:chgData name="Sabrina De Oliveira" userId="34420f5773a88cdb" providerId="LiveId" clId="{7D17E82B-CE46-49E5-A84E-E2FFE4F43B4F}" dt="2020-06-08T12:01:18.651" v="12647" actId="20577"/>
           <ac:spMkLst>
             <pc:docMk/>
             <pc:sldMk cId="83129120" sldId="269"/>
@@ -1729,7 +1729,7 @@
         </pc:picChg>
       </pc:sldChg>
       <pc:sldChg chg="addSp delSp modSp add mod">
-        <pc:chgData name="Sabrina De Oliveira" userId="34420f5773a88cdb" providerId="LiveId" clId="{7D17E82B-CE46-49E5-A84E-E2FFE4F43B4F}" dt="2020-06-05T14:11:55.176" v="12450" actId="20577"/>
+        <pc:chgData name="Sabrina De Oliveira" userId="34420f5773a88cdb" providerId="LiveId" clId="{7D17E82B-CE46-49E5-A84E-E2FFE4F43B4F}" dt="2020-06-08T12:01:30.923" v="12653" actId="20577"/>
         <pc:sldMkLst>
           <pc:docMk/>
           <pc:sldMk cId="1322306824" sldId="270"/>
@@ -1767,7 +1767,7 @@
           </ac:spMkLst>
         </pc:spChg>
         <pc:spChg chg="add mod">
-          <ac:chgData name="Sabrina De Oliveira" userId="34420f5773a88cdb" providerId="LiveId" clId="{7D17E82B-CE46-49E5-A84E-E2FFE4F43B4F}" dt="2020-06-05T14:07:05.263" v="12387" actId="20577"/>
+          <ac:chgData name="Sabrina De Oliveira" userId="34420f5773a88cdb" providerId="LiveId" clId="{7D17E82B-CE46-49E5-A84E-E2FFE4F43B4F}" dt="2020-06-08T12:01:30.923" v="12653" actId="20577"/>
           <ac:spMkLst>
             <pc:docMk/>
             <pc:sldMk cId="1322306824" sldId="270"/>
@@ -2397,7 +2397,7 @@
         </pc:picChg>
       </pc:sldChg>
       <pc:sldChg chg="addSp delSp modSp add mod ord delAnim modAnim">
-        <pc:chgData name="Sabrina De Oliveira" userId="34420f5773a88cdb" providerId="LiveId" clId="{7D17E82B-CE46-49E5-A84E-E2FFE4F43B4F}" dt="2020-06-07T15:19:41.589" v="12635" actId="5793"/>
+        <pc:chgData name="Sabrina De Oliveira" userId="34420f5773a88cdb" providerId="LiveId" clId="{7D17E82B-CE46-49E5-A84E-E2FFE4F43B4F}" dt="2020-06-08T12:08:14.473" v="12702" actId="1035"/>
         <pc:sldMkLst>
           <pc:docMk/>
           <pc:sldMk cId="4262503204" sldId="274"/>
@@ -2435,7 +2435,7 @@
           </ac:spMkLst>
         </pc:spChg>
         <pc:spChg chg="mod">
-          <ac:chgData name="Sabrina De Oliveira" userId="34420f5773a88cdb" providerId="LiveId" clId="{7D17E82B-CE46-49E5-A84E-E2FFE4F43B4F}" dt="2020-06-05T13:55:17.932" v="12175" actId="20577"/>
+          <ac:chgData name="Sabrina De Oliveira" userId="34420f5773a88cdb" providerId="LiveId" clId="{7D17E82B-CE46-49E5-A84E-E2FFE4F43B4F}" dt="2020-06-08T12:00:11.299" v="12638" actId="14100"/>
           <ac:spMkLst>
             <pc:docMk/>
             <pc:sldMk cId="4262503204" sldId="274"/>
@@ -2723,7 +2723,7 @@
           </ac:picMkLst>
         </pc:picChg>
         <pc:picChg chg="mod">
-          <ac:chgData name="Sabrina De Oliveira" userId="34420f5773a88cdb" providerId="LiveId" clId="{7D17E82B-CE46-49E5-A84E-E2FFE4F43B4F}" dt="2020-06-05T08:52:10.491" v="10136" actId="1076"/>
+          <ac:chgData name="Sabrina De Oliveira" userId="34420f5773a88cdb" providerId="LiveId" clId="{7D17E82B-CE46-49E5-A84E-E2FFE4F43B4F}" dt="2020-06-08T12:04:26.274" v="12665" actId="1076"/>
           <ac:picMkLst>
             <pc:docMk/>
             <pc:sldMk cId="4262503204" sldId="274"/>
@@ -2739,7 +2739,15 @@
           </ac:picMkLst>
         </pc:picChg>
         <pc:picChg chg="mod">
-          <ac:chgData name="Sabrina De Oliveira" userId="34420f5773a88cdb" providerId="LiveId" clId="{7D17E82B-CE46-49E5-A84E-E2FFE4F43B4F}" dt="2020-06-05T08:57:56.479" v="10244" actId="1035"/>
+          <ac:chgData name="Sabrina De Oliveira" userId="34420f5773a88cdb" providerId="LiveId" clId="{7D17E82B-CE46-49E5-A84E-E2FFE4F43B4F}" dt="2020-06-08T12:04:40.059" v="12668" actId="1076"/>
+          <ac:picMkLst>
+            <pc:docMk/>
+            <pc:sldMk cId="4262503204" sldId="274"/>
+            <ac:picMk id="62" creationId="{C3DF032B-4E26-48F0-924B-34313C296ADA}"/>
+          </ac:picMkLst>
+        </pc:picChg>
+        <pc:picChg chg="mod">
+          <ac:chgData name="Sabrina De Oliveira" userId="34420f5773a88cdb" providerId="LiveId" clId="{7D17E82B-CE46-49E5-A84E-E2FFE4F43B4F}" dt="2020-06-08T12:08:14.473" v="12702" actId="1035"/>
           <ac:picMkLst>
             <pc:docMk/>
             <pc:sldMk cId="4262503204" sldId="274"/>
@@ -3174,7 +3182,7 @@
         </pc:picChg>
       </pc:sldChg>
       <pc:sldChg chg="addSp delSp modSp add mod">
-        <pc:chgData name="Sabrina De Oliveira" userId="34420f5773a88cdb" providerId="LiveId" clId="{7D17E82B-CE46-49E5-A84E-E2FFE4F43B4F}" dt="2020-06-05T14:06:50.673" v="12378" actId="478"/>
+        <pc:chgData name="Sabrina De Oliveira" userId="34420f5773a88cdb" providerId="LiveId" clId="{7D17E82B-CE46-49E5-A84E-E2FFE4F43B4F}" dt="2020-06-08T12:01:21.916" v="12649" actId="20577"/>
         <pc:sldMkLst>
           <pc:docMk/>
           <pc:sldMk cId="2127368999" sldId="281"/>
@@ -3628,7 +3636,7 @@
           </ac:spMkLst>
         </pc:spChg>
         <pc:spChg chg="add mod ord">
-          <ac:chgData name="Sabrina De Oliveira" userId="34420f5773a88cdb" providerId="LiveId" clId="{7D17E82B-CE46-49E5-A84E-E2FFE4F43B4F}" dt="2020-06-05T14:06:48.055" v="12377" actId="20577"/>
+          <ac:chgData name="Sabrina De Oliveira" userId="34420f5773a88cdb" providerId="LiveId" clId="{7D17E82B-CE46-49E5-A84E-E2FFE4F43B4F}" dt="2020-06-08T12:01:21.916" v="12649" actId="20577"/>
           <ac:spMkLst>
             <pc:docMk/>
             <pc:sldMk cId="2127368999" sldId="281"/>
@@ -3668,8 +3676,8 @@
           </ac:picMkLst>
         </pc:picChg>
       </pc:sldChg>
-      <pc:sldChg chg="addSp delSp modSp add mod ord modAnim modNotesTx">
-        <pc:chgData name="Sabrina De Oliveira" userId="34420f5773a88cdb" providerId="LiveId" clId="{7D17E82B-CE46-49E5-A84E-E2FFE4F43B4F}" dt="2020-06-05T14:05:25.693" v="12347" actId="478"/>
+      <pc:sldChg chg="addSp delSp modSp add mod ord modTransition modAnim modNotesTx">
+        <pc:chgData name="Sabrina De Oliveira" userId="34420f5773a88cdb" providerId="LiveId" clId="{7D17E82B-CE46-49E5-A84E-E2FFE4F43B4F}" dt="2020-06-08T12:03:35.630" v="12661"/>
         <pc:sldMkLst>
           <pc:docMk/>
           <pc:sldMk cId="100993775" sldId="282"/>
@@ -4017,7 +4025,7 @@
         </pc:picChg>
       </pc:sldChg>
       <pc:sldChg chg="addSp delSp modSp add del mod delAnim modAnim">
-        <pc:chgData name="Sabrina De Oliveira" userId="34420f5773a88cdb" providerId="LiveId" clId="{7D17E82B-CE46-49E5-A84E-E2FFE4F43B4F}" dt="2020-06-06T14:13:06.365" v="12537" actId="1076"/>
+        <pc:chgData name="Sabrina De Oliveira" userId="34420f5773a88cdb" providerId="LiveId" clId="{7D17E82B-CE46-49E5-A84E-E2FFE4F43B4F}" dt="2020-06-08T12:02:52.383" v="12656"/>
         <pc:sldMkLst>
           <pc:docMk/>
           <pc:sldMk cId="3093698966" sldId="286"/>
@@ -4427,7 +4435,7 @@
         </pc:picChg>
       </pc:sldChg>
       <pc:sldChg chg="addSp delSp modSp add mod ord addAnim delAnim modAnim">
-        <pc:chgData name="Sabrina De Oliveira" userId="34420f5773a88cdb" providerId="LiveId" clId="{7D17E82B-CE46-49E5-A84E-E2FFE4F43B4F}" dt="2020-06-05T14:05:51.504" v="12359" actId="20577"/>
+        <pc:chgData name="Sabrina De Oliveira" userId="34420f5773a88cdb" providerId="LiveId" clId="{7D17E82B-CE46-49E5-A84E-E2FFE4F43B4F}" dt="2020-06-08T12:01:13.185" v="12643" actId="20577"/>
         <pc:sldMkLst>
           <pc:docMk/>
           <pc:sldMk cId="4182294919" sldId="292"/>
@@ -4521,7 +4529,7 @@
           </ac:spMkLst>
         </pc:spChg>
         <pc:spChg chg="add mod ord">
-          <ac:chgData name="Sabrina De Oliveira" userId="34420f5773a88cdb" providerId="LiveId" clId="{7D17E82B-CE46-49E5-A84E-E2FFE4F43B4F}" dt="2020-06-05T14:05:51.504" v="12359" actId="20577"/>
+          <ac:chgData name="Sabrina De Oliveira" userId="34420f5773a88cdb" providerId="LiveId" clId="{7D17E82B-CE46-49E5-A84E-E2FFE4F43B4F}" dt="2020-06-08T12:01:13.185" v="12643" actId="20577"/>
           <ac:spMkLst>
             <pc:docMk/>
             <pc:sldMk cId="4182294919" sldId="292"/>
@@ -4545,7 +4553,7 @@
         </pc:sldMkLst>
       </pc:sldChg>
       <pc:sldChg chg="addSp delSp modSp add mod modClrScheme chgLayout">
-        <pc:chgData name="Sabrina De Oliveira" userId="34420f5773a88cdb" providerId="LiveId" clId="{7D17E82B-CE46-49E5-A84E-E2FFE4F43B4F}" dt="2020-06-07T13:33:00.528" v="12613" actId="1076"/>
+        <pc:chgData name="Sabrina De Oliveira" userId="34420f5773a88cdb" providerId="LiveId" clId="{7D17E82B-CE46-49E5-A84E-E2FFE4F43B4F}" dt="2020-06-08T12:01:26.198" v="12651" actId="20577"/>
         <pc:sldMkLst>
           <pc:docMk/>
           <pc:sldMk cId="98910856" sldId="294"/>
@@ -4871,7 +4879,7 @@
           </ac:spMkLst>
         </pc:spChg>
         <pc:spChg chg="add mod ord">
-          <ac:chgData name="Sabrina De Oliveira" userId="34420f5773a88cdb" providerId="LiveId" clId="{7D17E82B-CE46-49E5-A84E-E2FFE4F43B4F}" dt="2020-06-05T14:06:59.838" v="12383" actId="20577"/>
+          <ac:chgData name="Sabrina De Oliveira" userId="34420f5773a88cdb" providerId="LiveId" clId="{7D17E82B-CE46-49E5-A84E-E2FFE4F43B4F}" dt="2020-06-08T12:01:26.198" v="12651" actId="20577"/>
           <ac:spMkLst>
             <pc:docMk/>
             <pc:sldMk cId="98910856" sldId="294"/>
@@ -5006,7 +5014,7 @@
           <a:p>
             <a:fld id="{648224E9-0BB2-4646-9AE5-CD7A1B5C2C89}" type="datetimeFigureOut">
               <a:rPr lang="en-GB" smtClean="0"/>
-              <a:t>07/06/2020</a:t>
+              <a:t>08/06/2020</a:t>
             </a:fld>
             <a:endParaRPr lang="en-GB"/>
           </a:p>
@@ -5498,7 +5506,7 @@
     </p:spTree>
     <p:extLst>
       <p:ext uri="{BB962C8B-B14F-4D97-AF65-F5344CB8AC3E}">
-        <p14:creationId xmlns:p14="http://schemas.microsoft.com/office/powerpoint/2010/main" val="581219765"/>
+        <p14:creationId xmlns:p14="http://schemas.microsoft.com/office/powerpoint/2010/main" val="480915917"/>
       </p:ext>
     </p:extLst>
   </p:cSld>
@@ -5552,6 +5560,18 @@
           <a:bodyPr/>
           <a:lstStyle/>
           <a:p>
+            <a:r>
+              <a:rPr lang="en-GB" sz="1200" b="0" i="0" u="none" strike="noStrike" kern="1200" dirty="0">
+                <a:solidFill>
+                  <a:schemeClr val="tx1"/>
+                </a:solidFill>
+                <a:effectLst/>
+                <a:latin typeface="+mn-lt"/>
+                <a:ea typeface="+mn-ea"/>
+                <a:cs typeface="+mn-cs"/>
+              </a:rPr>
+              <a:t> Nevertheless, this interaction is still poorly understood and the changes in the omics of type 2 diabetic individuals remain debatable, especially in the time-period prior to diabetes onset.</a:t>
+            </a:r>
             <a:endParaRPr lang="en-GB" dirty="0"/>
           </a:p>
         </p:txBody>
@@ -5573,7 +5593,7 @@
           <a:p>
             <a:fld id="{A461424F-0195-4502-BBA8-57027C685AAE}" type="slidenum">
               <a:rPr lang="en-GB" smtClean="0"/>
-              <a:t>23</a:t>
+              <a:t>25</a:t>
             </a:fld>
             <a:endParaRPr lang="en-GB"/>
           </a:p>
@@ -5582,7 +5602,7 @@
     </p:spTree>
     <p:extLst>
       <p:ext uri="{BB962C8B-B14F-4D97-AF65-F5344CB8AC3E}">
-        <p14:creationId xmlns:p14="http://schemas.microsoft.com/office/powerpoint/2010/main" val="480915917"/>
+        <p14:creationId xmlns:p14="http://schemas.microsoft.com/office/powerpoint/2010/main" val="3583275488"/>
       </p:ext>
     </p:extLst>
   </p:cSld>
@@ -5637,7 +5657,7 @@
           <a:lstStyle/>
           <a:p>
             <a:r>
-              <a:rPr lang="en-GB" sz="1200" b="0" i="0" u="none" strike="noStrike" kern="1200" dirty="0">
+              <a:rPr lang="en-GB" sz="1200" b="1" i="0" kern="1200" dirty="0">
                 <a:solidFill>
                   <a:schemeClr val="tx1"/>
                 </a:solidFill>
@@ -5646,7 +5666,81 @@
                 <a:ea typeface="+mn-ea"/>
                 <a:cs typeface="+mn-cs"/>
               </a:rPr>
-              <a:t> Nevertheless, this interaction is still poorly understood and the changes in the omics of type 2 diabetic individuals remain debatable, especially in the time-period prior to diabetes onset.</a:t>
+              <a:t>Species evenness</a:t>
+            </a:r>
+            <a:r>
+              <a:rPr lang="en-GB" sz="1200" b="0" i="0" kern="1200" dirty="0">
+                <a:solidFill>
+                  <a:schemeClr val="tx1"/>
+                </a:solidFill>
+                <a:effectLst/>
+                <a:latin typeface="+mn-lt"/>
+                <a:ea typeface="+mn-ea"/>
+                <a:cs typeface="+mn-cs"/>
+              </a:rPr>
+              <a:t> refers to how close in numbers each </a:t>
+            </a:r>
+            <a:r>
+              <a:rPr lang="en-GB" sz="1200" b="1" i="0" kern="1200" dirty="0">
+                <a:solidFill>
+                  <a:schemeClr val="tx1"/>
+                </a:solidFill>
+                <a:effectLst/>
+                <a:latin typeface="+mn-lt"/>
+                <a:ea typeface="+mn-ea"/>
+                <a:cs typeface="+mn-cs"/>
+              </a:rPr>
+              <a:t>species</a:t>
+            </a:r>
+            <a:r>
+              <a:rPr lang="en-GB" sz="1200" b="0" i="0" kern="1200" dirty="0">
+                <a:solidFill>
+                  <a:schemeClr val="tx1"/>
+                </a:solidFill>
+                <a:effectLst/>
+                <a:latin typeface="+mn-lt"/>
+                <a:ea typeface="+mn-ea"/>
+                <a:cs typeface="+mn-cs"/>
+              </a:rPr>
+              <a:t> in an environment is.</a:t>
+            </a:r>
+          </a:p>
+          <a:p>
+            <a:r>
+              <a:rPr lang="en-GB" sz="1200" b="1" i="0" kern="1200" dirty="0">
+                <a:solidFill>
+                  <a:schemeClr val="tx1"/>
+                </a:solidFill>
+                <a:effectLst/>
+                <a:latin typeface="+mn-lt"/>
+                <a:ea typeface="+mn-ea"/>
+                <a:cs typeface="+mn-cs"/>
+              </a:rPr>
+              <a:t>Species abundance</a:t>
+            </a:r>
+            <a:r>
+              <a:rPr lang="en-GB" sz="1200" b="0" i="0" kern="1200" dirty="0">
+                <a:solidFill>
+                  <a:schemeClr val="tx1"/>
+                </a:solidFill>
+                <a:effectLst/>
+                <a:latin typeface="+mn-lt"/>
+                <a:ea typeface="+mn-ea"/>
+                <a:cs typeface="+mn-cs"/>
+              </a:rPr>
+              <a:t> is the number of taxa per </a:t>
+            </a:r>
+            <a:r>
+              <a:rPr lang="en-GB" sz="1200" b="1" i="0" kern="1200" dirty="0">
+                <a:solidFill>
+                  <a:schemeClr val="tx1"/>
+                </a:solidFill>
+                <a:effectLst/>
+                <a:latin typeface="+mn-lt"/>
+                <a:ea typeface="+mn-ea"/>
+                <a:cs typeface="+mn-cs"/>
+              </a:rPr>
+              <a:t>species</a:t>
             </a:r>
             <a:endParaRPr lang="en-GB" dirty="0"/>
           </a:p>
@@ -5678,7 +5772,7 @@
     </p:spTree>
     <p:extLst>
       <p:ext uri="{BB962C8B-B14F-4D97-AF65-F5344CB8AC3E}">
-        <p14:creationId xmlns:p14="http://schemas.microsoft.com/office/powerpoint/2010/main" val="3583275488"/>
+        <p14:creationId xmlns:p14="http://schemas.microsoft.com/office/powerpoint/2010/main" val="204653771"/>
       </p:ext>
     </p:extLst>
   </p:cSld>
@@ -6159,92 +6253,9 @@
           <a:lstStyle/>
           <a:p>
             <a:r>
-              <a:rPr lang="en-GB" sz="1200" b="1" i="0" kern="1200" dirty="0">
-                <a:solidFill>
-                  <a:schemeClr val="tx1"/>
-                </a:solidFill>
-                <a:effectLst/>
-                <a:latin typeface="+mn-lt"/>
-                <a:ea typeface="+mn-ea"/>
-                <a:cs typeface="+mn-cs"/>
-              </a:rPr>
-              <a:t>Species evenness</a:t>
-            </a:r>
-            <a:r>
-              <a:rPr lang="en-GB" sz="1200" b="0" i="0" kern="1200" dirty="0">
-                <a:solidFill>
-                  <a:schemeClr val="tx1"/>
-                </a:solidFill>
-                <a:effectLst/>
-                <a:latin typeface="+mn-lt"/>
-                <a:ea typeface="+mn-ea"/>
-                <a:cs typeface="+mn-cs"/>
-              </a:rPr>
-              <a:t> refers to how close in numbers each </a:t>
-            </a:r>
-            <a:r>
-              <a:rPr lang="en-GB" sz="1200" b="1" i="0" kern="1200" dirty="0">
-                <a:solidFill>
-                  <a:schemeClr val="tx1"/>
-                </a:solidFill>
-                <a:effectLst/>
-                <a:latin typeface="+mn-lt"/>
-                <a:ea typeface="+mn-ea"/>
-                <a:cs typeface="+mn-cs"/>
-              </a:rPr>
-              <a:t>species</a:t>
-            </a:r>
-            <a:r>
-              <a:rPr lang="en-GB" sz="1200" b="0" i="0" kern="1200" dirty="0">
-                <a:solidFill>
-                  <a:schemeClr val="tx1"/>
-                </a:solidFill>
-                <a:effectLst/>
-                <a:latin typeface="+mn-lt"/>
-                <a:ea typeface="+mn-ea"/>
-                <a:cs typeface="+mn-cs"/>
-              </a:rPr>
-              <a:t> in an environment is.</a:t>
-            </a:r>
-          </a:p>
-          <a:p>
-            <a:r>
-              <a:rPr lang="en-GB" sz="1200" b="1" i="0" kern="1200" dirty="0">
-                <a:solidFill>
-                  <a:schemeClr val="tx1"/>
-                </a:solidFill>
-                <a:effectLst/>
-                <a:latin typeface="+mn-lt"/>
-                <a:ea typeface="+mn-ea"/>
-                <a:cs typeface="+mn-cs"/>
-              </a:rPr>
-              <a:t>Species abundance</a:t>
-            </a:r>
-            <a:r>
-              <a:rPr lang="en-GB" sz="1200" b="0" i="0" kern="1200" dirty="0">
-                <a:solidFill>
-                  <a:schemeClr val="tx1"/>
-                </a:solidFill>
-                <a:effectLst/>
-                <a:latin typeface="+mn-lt"/>
-                <a:ea typeface="+mn-ea"/>
-                <a:cs typeface="+mn-cs"/>
-              </a:rPr>
-              <a:t> is the number of taxa per </a:t>
-            </a:r>
-            <a:r>
-              <a:rPr lang="en-GB" sz="1200" b="1" i="0" kern="1200" dirty="0">
-                <a:solidFill>
-                  <a:schemeClr val="tx1"/>
-                </a:solidFill>
-                <a:effectLst/>
-                <a:latin typeface="+mn-lt"/>
-                <a:ea typeface="+mn-ea"/>
-                <a:cs typeface="+mn-cs"/>
-              </a:rPr>
-              <a:t>species</a:t>
-            </a:r>
-            <a:endParaRPr lang="en-GB" dirty="0"/>
+              <a:rPr lang="en-GB" dirty="0"/>
+              <a:t>Check if groups are homogenous based on p-value!</a:t>
+            </a:r>
           </a:p>
         </p:txBody>
       </p:sp>
@@ -6274,7 +6285,7 @@
     </p:spTree>
     <p:extLst>
       <p:ext uri="{BB962C8B-B14F-4D97-AF65-F5344CB8AC3E}">
-        <p14:creationId xmlns:p14="http://schemas.microsoft.com/office/powerpoint/2010/main" val="204653771"/>
+        <p14:creationId xmlns:p14="http://schemas.microsoft.com/office/powerpoint/2010/main" val="3781485798"/>
       </p:ext>
     </p:extLst>
   </p:cSld>
@@ -6328,10 +6339,7 @@
           <a:bodyPr/>
           <a:lstStyle/>
           <a:p>
-            <a:r>
-              <a:rPr lang="en-GB" dirty="0"/>
-              <a:t>Check if groups are homogenous based on p-value!</a:t>
-            </a:r>
+            <a:endParaRPr lang="en-GB" dirty="0"/>
           </a:p>
         </p:txBody>
       </p:sp>
@@ -6361,7 +6369,7 @@
     </p:spTree>
     <p:extLst>
       <p:ext uri="{BB962C8B-B14F-4D97-AF65-F5344CB8AC3E}">
-        <p14:creationId xmlns:p14="http://schemas.microsoft.com/office/powerpoint/2010/main" val="3781485798"/>
+        <p14:creationId xmlns:p14="http://schemas.microsoft.com/office/powerpoint/2010/main" val="1062440226"/>
       </p:ext>
     </p:extLst>
   </p:cSld>
@@ -6436,7 +6444,7 @@
           <a:p>
             <a:fld id="{A461424F-0195-4502-BBA8-57027C685AAE}" type="slidenum">
               <a:rPr lang="en-GB" smtClean="0"/>
-              <a:t>20</a:t>
+              <a:t>21</a:t>
             </a:fld>
             <a:endParaRPr lang="en-GB"/>
           </a:p>
@@ -6445,7 +6453,7 @@
     </p:spTree>
     <p:extLst>
       <p:ext uri="{BB962C8B-B14F-4D97-AF65-F5344CB8AC3E}">
-        <p14:creationId xmlns:p14="http://schemas.microsoft.com/office/powerpoint/2010/main" val="1062440226"/>
+        <p14:creationId xmlns:p14="http://schemas.microsoft.com/office/powerpoint/2010/main" val="581219765"/>
       </p:ext>
     </p:extLst>
   </p:cSld>
@@ -6641,7 +6649,7 @@
           <a:p>
             <a:fld id="{DA5AD436-A087-4A72-A71C-DCC7BC3259CA}" type="datetimeFigureOut">
               <a:rPr lang="en-GB" smtClean="0"/>
-              <a:t>07/06/2020</a:t>
+              <a:t>08/06/2020</a:t>
             </a:fld>
             <a:endParaRPr lang="en-GB"/>
           </a:p>
@@ -6916,7 +6924,7 @@
           <a:p>
             <a:fld id="{DA5AD436-A087-4A72-A71C-DCC7BC3259CA}" type="datetimeFigureOut">
               <a:rPr lang="en-GB" smtClean="0"/>
-              <a:t>07/06/2020</a:t>
+              <a:t>08/06/2020</a:t>
             </a:fld>
             <a:endParaRPr lang="en-GB"/>
           </a:p>
@@ -7110,7 +7118,7 @@
           <a:p>
             <a:fld id="{DA5AD436-A087-4A72-A71C-DCC7BC3259CA}" type="datetimeFigureOut">
               <a:rPr lang="en-GB" smtClean="0"/>
-              <a:t>07/06/2020</a:t>
+              <a:t>08/06/2020</a:t>
             </a:fld>
             <a:endParaRPr lang="en-GB"/>
           </a:p>
@@ -7383,7 +7391,7 @@
           <a:p>
             <a:fld id="{DA5AD436-A087-4A72-A71C-DCC7BC3259CA}" type="datetimeFigureOut">
               <a:rPr lang="en-GB" smtClean="0"/>
-              <a:t>07/06/2020</a:t>
+              <a:t>08/06/2020</a:t>
             </a:fld>
             <a:endParaRPr lang="en-GB"/>
           </a:p>
@@ -7724,7 +7732,7 @@
           <a:p>
             <a:fld id="{DA5AD436-A087-4A72-A71C-DCC7BC3259CA}" type="datetimeFigureOut">
               <a:rPr lang="en-GB" smtClean="0"/>
-              <a:t>07/06/2020</a:t>
+              <a:t>08/06/2020</a:t>
             </a:fld>
             <a:endParaRPr lang="en-GB"/>
           </a:p>
@@ -8347,7 +8355,7 @@
           <a:p>
             <a:fld id="{DA5AD436-A087-4A72-A71C-DCC7BC3259CA}" type="datetimeFigureOut">
               <a:rPr lang="en-GB" smtClean="0"/>
-              <a:t>07/06/2020</a:t>
+              <a:t>08/06/2020</a:t>
             </a:fld>
             <a:endParaRPr lang="en-GB"/>
           </a:p>
@@ -9207,7 +9215,7 @@
           <a:p>
             <a:fld id="{DA5AD436-A087-4A72-A71C-DCC7BC3259CA}" type="datetimeFigureOut">
               <a:rPr lang="en-GB" smtClean="0"/>
-              <a:t>07/06/2020</a:t>
+              <a:t>08/06/2020</a:t>
             </a:fld>
             <a:endParaRPr lang="en-GB"/>
           </a:p>
@@ -9377,7 +9385,7 @@
           <a:p>
             <a:fld id="{DA5AD436-A087-4A72-A71C-DCC7BC3259CA}" type="datetimeFigureOut">
               <a:rPr lang="en-GB" smtClean="0"/>
-              <a:t>07/06/2020</a:t>
+              <a:t>08/06/2020</a:t>
             </a:fld>
             <a:endParaRPr lang="en-GB"/>
           </a:p>
@@ -9557,7 +9565,7 @@
           <a:p>
             <a:fld id="{DA5AD436-A087-4A72-A71C-DCC7BC3259CA}" type="datetimeFigureOut">
               <a:rPr lang="en-GB" smtClean="0"/>
-              <a:t>07/06/2020</a:t>
+              <a:t>08/06/2020</a:t>
             </a:fld>
             <a:endParaRPr lang="en-GB"/>
           </a:p>
@@ -9727,7 +9735,7 @@
           <a:p>
             <a:fld id="{DA5AD436-A087-4A72-A71C-DCC7BC3259CA}" type="datetimeFigureOut">
               <a:rPr lang="en-GB" smtClean="0"/>
-              <a:t>07/06/2020</a:t>
+              <a:t>08/06/2020</a:t>
             </a:fld>
             <a:endParaRPr lang="en-GB"/>
           </a:p>
@@ -9974,7 +9982,7 @@
           <a:p>
             <a:fld id="{DA5AD436-A087-4A72-A71C-DCC7BC3259CA}" type="datetimeFigureOut">
               <a:rPr lang="en-GB" smtClean="0"/>
-              <a:t>07/06/2020</a:t>
+              <a:t>08/06/2020</a:t>
             </a:fld>
             <a:endParaRPr lang="en-GB"/>
           </a:p>
@@ -10266,7 +10274,7 @@
           <a:p>
             <a:fld id="{DA5AD436-A087-4A72-A71C-DCC7BC3259CA}" type="datetimeFigureOut">
               <a:rPr lang="en-GB" smtClean="0"/>
-              <a:t>07/06/2020</a:t>
+              <a:t>08/06/2020</a:t>
             </a:fld>
             <a:endParaRPr lang="en-GB"/>
           </a:p>
@@ -10710,7 +10718,7 @@
           <a:p>
             <a:fld id="{DA5AD436-A087-4A72-A71C-DCC7BC3259CA}" type="datetimeFigureOut">
               <a:rPr lang="en-GB" smtClean="0"/>
-              <a:t>07/06/2020</a:t>
+              <a:t>08/06/2020</a:t>
             </a:fld>
             <a:endParaRPr lang="en-GB"/>
           </a:p>
@@ -10828,7 +10836,7 @@
           <a:p>
             <a:fld id="{DA5AD436-A087-4A72-A71C-DCC7BC3259CA}" type="datetimeFigureOut">
               <a:rPr lang="en-GB" smtClean="0"/>
-              <a:t>07/06/2020</a:t>
+              <a:t>08/06/2020</a:t>
             </a:fld>
             <a:endParaRPr lang="en-GB"/>
           </a:p>
@@ -10923,7 +10931,7 @@
           <a:p>
             <a:fld id="{DA5AD436-A087-4A72-A71C-DCC7BC3259CA}" type="datetimeFigureOut">
               <a:rPr lang="en-GB" smtClean="0"/>
-              <a:t>07/06/2020</a:t>
+              <a:t>08/06/2020</a:t>
             </a:fld>
             <a:endParaRPr lang="en-GB"/>
           </a:p>
@@ -11202,7 +11210,7 @@
           <a:p>
             <a:fld id="{DA5AD436-A087-4A72-A71C-DCC7BC3259CA}" type="datetimeFigureOut">
               <a:rPr lang="en-GB" smtClean="0"/>
-              <a:t>07/06/2020</a:t>
+              <a:t>08/06/2020</a:t>
             </a:fld>
             <a:endParaRPr lang="en-GB"/>
           </a:p>
@@ -11477,7 +11485,7 @@
           <a:p>
             <a:fld id="{DA5AD436-A087-4A72-A71C-DCC7BC3259CA}" type="datetimeFigureOut">
               <a:rPr lang="en-GB" smtClean="0"/>
-              <a:t>07/06/2020</a:t>
+              <a:t>08/06/2020</a:t>
             </a:fld>
             <a:endParaRPr lang="en-GB"/>
           </a:p>
@@ -11906,7 +11914,7 @@
           <a:p>
             <a:fld id="{DA5AD436-A087-4A72-A71C-DCC7BC3259CA}" type="datetimeFigureOut">
               <a:rPr lang="en-GB" smtClean="0"/>
-              <a:t>07/06/2020</a:t>
+              <a:t>08/06/2020</a:t>
             </a:fld>
             <a:endParaRPr lang="en-GB"/>
           </a:p>
@@ -12486,13 +12494,13 @@
         </p:nvSpPr>
         <p:spPr>
           <a:xfrm>
-            <a:off x="137003" y="5188362"/>
-            <a:ext cx="4110801" cy="1510478"/>
+            <a:off x="137003" y="4787757"/>
+            <a:ext cx="6530925" cy="1911084"/>
           </a:xfrm>
         </p:spPr>
         <p:txBody>
           <a:bodyPr>
-            <a:normAutofit fontScale="92500" lnSpcReduction="20000"/>
+            <a:normAutofit fontScale="92500" lnSpcReduction="10000"/>
           </a:bodyPr>
           <a:lstStyle/>
           <a:p>
@@ -12506,6 +12514,33 @@
               <a:rPr lang="en-GB" dirty="0"/>
               <a:t>BMS Bachelor thesis 2020</a:t>
             </a:r>
+          </a:p>
+          <a:p>
+            <a:r>
+              <a:rPr lang="en-GB" dirty="0"/>
+              <a:t>Supervisors: Susan </a:t>
+            </a:r>
+            <a:r>
+              <a:rPr lang="en-GB" dirty="0" err="1"/>
+              <a:t>coort</a:t>
+            </a:r>
+            <a:r>
+              <a:rPr lang="en-GB" dirty="0"/>
+              <a:t> &amp; </a:t>
+            </a:r>
+            <a:r>
+              <a:rPr lang="en-GB" dirty="0" err="1"/>
+              <a:t>martina</a:t>
+            </a:r>
+            <a:r>
+              <a:rPr lang="en-GB" dirty="0"/>
+              <a:t> </a:t>
+            </a:r>
+            <a:r>
+              <a:rPr lang="en-GB" dirty="0" err="1"/>
+              <a:t>kutmon</a:t>
+            </a:r>
+            <a:endParaRPr lang="en-GB" dirty="0"/>
           </a:p>
           <a:p>
             <a:r>
@@ -13293,9 +13328,6 @@
                     <p:cTn id="3" fill="hold">
                       <p:stCondLst>
                         <p:cond delay="indefinite"/>
-                        <p:cond evt="onBegin" delay="0">
-                          <p:tn val="2"/>
-                        </p:cond>
                       </p:stCondLst>
                       <p:childTnLst>
                         <p:par>
@@ -13305,7 +13337,7 @@
                             </p:stCondLst>
                             <p:childTnLst>
                               <p:par>
-                                <p:cTn id="5" presetID="1" presetClass="entr" presetSubtype="0" fill="hold" grpId="0" nodeType="withEffect">
+                                <p:cTn id="5" presetID="1" presetClass="entr" presetSubtype="0" fill="hold" grpId="0" nodeType="clickEffect">
                                   <p:stCondLst>
                                     <p:cond delay="0"/>
                                   </p:stCondLst>
@@ -15195,10 +15227,10 @@
       </p:grpSpPr>
       <p:sp>
         <p:nvSpPr>
-          <p:cNvPr id="6" name="Oval 5">
+          <p:cNvPr id="12" name="Oval 11">
             <a:extLst>
               <a:ext uri="{FF2B5EF4-FFF2-40B4-BE49-F238E27FC236}">
-                <a16:creationId xmlns:a16="http://schemas.microsoft.com/office/drawing/2014/main" id="{45182AFA-C698-45B2-B5FD-2ED6D1B31545}"/>
+                <a16:creationId xmlns:a16="http://schemas.microsoft.com/office/drawing/2014/main" id="{4B0156F0-D68E-4B61-989B-0374579EB4D7}"/>
               </a:ext>
             </a:extLst>
           </p:cNvPr>
@@ -15247,10 +15279,10 @@
       </p:sp>
       <p:sp>
         <p:nvSpPr>
-          <p:cNvPr id="8" name="TextBox 7">
+          <p:cNvPr id="13" name="TextBox 12">
             <a:extLst>
               <a:ext uri="{FF2B5EF4-FFF2-40B4-BE49-F238E27FC236}">
-                <a16:creationId xmlns:a16="http://schemas.microsoft.com/office/drawing/2014/main" id="{1DCB0153-4073-4521-B09D-7E97C15969DB}"/>
+                <a16:creationId xmlns:a16="http://schemas.microsoft.com/office/drawing/2014/main" id="{FB762983-8C71-431C-962C-0D82A85CCD67}"/>
               </a:ext>
             </a:extLst>
           </p:cNvPr>
@@ -15279,259 +15311,6 @@
                 <a:cs typeface="Arial" panose="020B0604020202020204" pitchFamily="34" charset="0"/>
               </a:rPr>
               <a:t>17</a:t>
-            </a:r>
-          </a:p>
-        </p:txBody>
-      </p:sp>
-      <p:pic>
-        <p:nvPicPr>
-          <p:cNvPr id="4102" name="Picture 6">
-            <a:extLst>
-              <a:ext uri="{FF2B5EF4-FFF2-40B4-BE49-F238E27FC236}">
-                <a16:creationId xmlns:a16="http://schemas.microsoft.com/office/drawing/2014/main" id="{8C189D3C-16DA-456F-9C75-4CC2CD9A84B9}"/>
-              </a:ext>
-            </a:extLst>
-          </p:cNvPr>
-          <p:cNvPicPr>
-            <a:picLocks noChangeAspect="1" noChangeArrowheads="1"/>
-          </p:cNvPicPr>
-          <p:nvPr/>
-        </p:nvPicPr>
-        <p:blipFill>
-          <a:blip r:embed="rId3">
-            <a:extLst>
-              <a:ext uri="{28A0092B-C50C-407E-A947-70E740481C1C}">
-                <a14:useLocalDpi xmlns:a14="http://schemas.microsoft.com/office/drawing/2010/main" val="0"/>
-              </a:ext>
-            </a:extLst>
-          </a:blip>
-          <a:srcRect/>
-          <a:stretch>
-            <a:fillRect/>
-          </a:stretch>
-        </p:blipFill>
-        <p:spPr bwMode="auto">
-          <a:xfrm>
-            <a:off x="2181688" y="2434728"/>
-            <a:ext cx="7828624" cy="4048956"/>
-          </a:xfrm>
-          <a:prstGeom prst="rect">
-            <a:avLst/>
-          </a:prstGeom>
-          <a:noFill/>
-          <a:extLst>
-            <a:ext uri="{909E8E84-426E-40DD-AFC4-6F175D3DCCD1}">
-              <a14:hiddenFill xmlns:a14="http://schemas.microsoft.com/office/drawing/2010/main">
-                <a:solidFill>
-                  <a:srgbClr val="FFFFFF"/>
-                </a:solidFill>
-              </a14:hiddenFill>
-            </a:ext>
-          </a:extLst>
-        </p:spPr>
-      </p:pic>
-      <p:sp>
-        <p:nvSpPr>
-          <p:cNvPr id="7" name="Title 1">
-            <a:extLst>
-              <a:ext uri="{FF2B5EF4-FFF2-40B4-BE49-F238E27FC236}">
-                <a16:creationId xmlns:a16="http://schemas.microsoft.com/office/drawing/2014/main" id="{894F5E17-16CC-4DD2-86BC-93A4E7658A0B}"/>
-              </a:ext>
-            </a:extLst>
-          </p:cNvPr>
-          <p:cNvSpPr>
-            <a:spLocks noGrp="1"/>
-          </p:cNvSpPr>
-          <p:nvPr>
-            <p:ph type="title"/>
-          </p:nvPr>
-        </p:nvSpPr>
-        <p:spPr>
-          <a:xfrm>
-            <a:off x="646111" y="452718"/>
-            <a:ext cx="9404723" cy="1982010"/>
-          </a:xfrm>
-        </p:spPr>
-        <p:txBody>
-          <a:bodyPr/>
-          <a:lstStyle/>
-          <a:p>
-            <a:pPr>
-              <a:lnSpc>
-                <a:spcPts val="5200"/>
-              </a:lnSpc>
-              <a:spcBef>
-                <a:spcPts val="600"/>
-              </a:spcBef>
-              <a:spcAft>
-                <a:spcPts val="600"/>
-              </a:spcAft>
-            </a:pPr>
-            <a:r>
-              <a:rPr lang="en-GB" sz="3700" dirty="0"/>
-              <a:t>Results: 4</a:t>
-            </a:r>
-            <a:br>
-              <a:rPr lang="en-GB" sz="3700" dirty="0"/>
-            </a:br>
-            <a:r>
-              <a:rPr lang="en-GB" sz="3200" dirty="0"/>
-              <a:t>Shannon diversity </a:t>
-            </a:r>
-            <a:endParaRPr lang="en-GB" sz="2000" dirty="0"/>
-          </a:p>
-        </p:txBody>
-      </p:sp>
-      <p:sp>
-        <p:nvSpPr>
-          <p:cNvPr id="2" name="Rectangle 1">
-            <a:extLst>
-              <a:ext uri="{FF2B5EF4-FFF2-40B4-BE49-F238E27FC236}">
-                <a16:creationId xmlns:a16="http://schemas.microsoft.com/office/drawing/2014/main" id="{3C65FB1C-2B70-4BF6-932A-99D08C910FD2}"/>
-              </a:ext>
-            </a:extLst>
-          </p:cNvPr>
-          <p:cNvSpPr/>
-          <p:nvPr/>
-        </p:nvSpPr>
-        <p:spPr>
-          <a:xfrm>
-            <a:off x="646111" y="1768074"/>
-            <a:ext cx="5129930" cy="369332"/>
-          </a:xfrm>
-          <a:prstGeom prst="rect">
-            <a:avLst/>
-          </a:prstGeom>
-        </p:spPr>
-        <p:txBody>
-          <a:bodyPr wrap="none">
-            <a:spAutoFit/>
-          </a:bodyPr>
-          <a:lstStyle/>
-          <a:p>
-            <a:r>
-              <a:rPr lang="en-GB" dirty="0"/>
-              <a:t>= measure of species diversity and evenness</a:t>
-            </a:r>
-          </a:p>
-        </p:txBody>
-      </p:sp>
-    </p:spTree>
-    <p:extLst>
-      <p:ext uri="{BB962C8B-B14F-4D97-AF65-F5344CB8AC3E}">
-        <p14:creationId xmlns:p14="http://schemas.microsoft.com/office/powerpoint/2010/main" val="100993775"/>
-      </p:ext>
-    </p:extLst>
-  </p:cSld>
-  <p:clrMapOvr>
-    <a:masterClrMapping/>
-  </p:clrMapOvr>
-</p:sld>
-</file>
-
-<file path=ppt/slides/slide19.xml><?xml version="1.0" encoding="utf-8"?>
-<p:sld xmlns:a="http://schemas.openxmlformats.org/drawingml/2006/main" xmlns:r="http://schemas.openxmlformats.org/officeDocument/2006/relationships" xmlns:p="http://schemas.openxmlformats.org/presentationml/2006/main">
-  <p:cSld>
-    <p:spTree>
-      <p:nvGrpSpPr>
-        <p:cNvPr id="1" name=""/>
-        <p:cNvGrpSpPr/>
-        <p:nvPr/>
-      </p:nvGrpSpPr>
-      <p:grpSpPr>
-        <a:xfrm>
-          <a:off x="0" y="0"/>
-          <a:ext cx="0" cy="0"/>
-          <a:chOff x="0" y="0"/>
-          <a:chExt cx="0" cy="0"/>
-        </a:xfrm>
-      </p:grpSpPr>
-      <p:sp>
-        <p:nvSpPr>
-          <p:cNvPr id="12" name="Oval 11">
-            <a:extLst>
-              <a:ext uri="{FF2B5EF4-FFF2-40B4-BE49-F238E27FC236}">
-                <a16:creationId xmlns:a16="http://schemas.microsoft.com/office/drawing/2014/main" id="{4B0156F0-D68E-4B61-989B-0374579EB4D7}"/>
-              </a:ext>
-            </a:extLst>
-          </p:cNvPr>
-          <p:cNvSpPr/>
-          <p:nvPr/>
-        </p:nvSpPr>
-        <p:spPr>
-          <a:xfrm>
-            <a:off x="10488426" y="488805"/>
-            <a:ext cx="578504" cy="586960"/>
-          </a:xfrm>
-          <a:prstGeom prst="ellipse">
-            <a:avLst/>
-          </a:prstGeom>
-          <a:noFill/>
-          <a:ln w="38100">
-            <a:solidFill>
-              <a:schemeClr val="tx1"/>
-            </a:solidFill>
-          </a:ln>
-        </p:spPr>
-        <p:style>
-          <a:lnRef idx="2">
-            <a:schemeClr val="accent1">
-              <a:shade val="50000"/>
-            </a:schemeClr>
-          </a:lnRef>
-          <a:fillRef idx="1">
-            <a:schemeClr val="accent1"/>
-          </a:fillRef>
-          <a:effectRef idx="0">
-            <a:schemeClr val="accent1"/>
-          </a:effectRef>
-          <a:fontRef idx="minor">
-            <a:schemeClr val="lt1"/>
-          </a:fontRef>
-        </p:style>
-        <p:txBody>
-          <a:bodyPr rtlCol="0" anchor="ctr"/>
-          <a:lstStyle/>
-          <a:p>
-            <a:pPr algn="ctr"/>
-            <a:endParaRPr lang="en-GB"/>
-          </a:p>
-        </p:txBody>
-      </p:sp>
-      <p:sp>
-        <p:nvSpPr>
-          <p:cNvPr id="13" name="TextBox 12">
-            <a:extLst>
-              <a:ext uri="{FF2B5EF4-FFF2-40B4-BE49-F238E27FC236}">
-                <a16:creationId xmlns:a16="http://schemas.microsoft.com/office/drawing/2014/main" id="{FB762983-8C71-431C-962C-0D82A85CCD67}"/>
-              </a:ext>
-            </a:extLst>
-          </p:cNvPr>
-          <p:cNvSpPr txBox="1"/>
-          <p:nvPr/>
-        </p:nvSpPr>
-        <p:spPr>
-          <a:xfrm>
-            <a:off x="10510347" y="551452"/>
-            <a:ext cx="534661" cy="461665"/>
-          </a:xfrm>
-          <a:prstGeom prst="rect">
-            <a:avLst/>
-          </a:prstGeom>
-          <a:noFill/>
-        </p:spPr>
-        <p:txBody>
-          <a:bodyPr wrap="square" rtlCol="0">
-            <a:spAutoFit/>
-          </a:bodyPr>
-          <a:lstStyle/>
-          <a:p>
-            <a:r>
-              <a:rPr lang="en-GB" sz="2400" b="1" dirty="0">
-                <a:latin typeface="Arial" panose="020B0604020202020204" pitchFamily="34" charset="0"/>
-                <a:cs typeface="Arial" panose="020B0604020202020204" pitchFamily="34" charset="0"/>
-              </a:rPr>
-              <a:t>18</a:t>
             </a:r>
           </a:p>
         </p:txBody>
@@ -15675,413 +15454,7 @@
 </p:sld>
 </file>
 
-<file path=ppt/slides/slide2.xml><?xml version="1.0" encoding="utf-8"?>
-<p:sld xmlns:a="http://schemas.openxmlformats.org/drawingml/2006/main" xmlns:r="http://schemas.openxmlformats.org/officeDocument/2006/relationships" xmlns:p="http://schemas.openxmlformats.org/presentationml/2006/main">
-  <p:cSld>
-    <p:spTree>
-      <p:nvGrpSpPr>
-        <p:cNvPr id="1" name=""/>
-        <p:cNvGrpSpPr/>
-        <p:nvPr/>
-      </p:nvGrpSpPr>
-      <p:grpSpPr>
-        <a:xfrm>
-          <a:off x="0" y="0"/>
-          <a:ext cx="0" cy="0"/>
-          <a:chOff x="0" y="0"/>
-          <a:chExt cx="0" cy="0"/>
-        </a:xfrm>
-      </p:grpSpPr>
-      <p:sp>
-        <p:nvSpPr>
-          <p:cNvPr id="7" name="TextBox 6">
-            <a:extLst>
-              <a:ext uri="{FF2B5EF4-FFF2-40B4-BE49-F238E27FC236}">
-                <a16:creationId xmlns:a16="http://schemas.microsoft.com/office/drawing/2014/main" id="{041F3778-7216-4345-9C36-30D7F3349F41}"/>
-              </a:ext>
-            </a:extLst>
-          </p:cNvPr>
-          <p:cNvSpPr txBox="1"/>
-          <p:nvPr/>
-        </p:nvSpPr>
-        <p:spPr>
-          <a:xfrm>
-            <a:off x="646111" y="1152983"/>
-            <a:ext cx="10294605" cy="5539978"/>
-          </a:xfrm>
-          <a:prstGeom prst="rect">
-            <a:avLst/>
-          </a:prstGeom>
-          <a:noFill/>
-        </p:spPr>
-        <p:txBody>
-          <a:bodyPr wrap="square" rtlCol="0">
-            <a:spAutoFit/>
-          </a:bodyPr>
-          <a:lstStyle/>
-          <a:p>
-            <a:r>
-              <a:rPr lang="en-GB" sz="2400" dirty="0"/>
-              <a:t>Importance:</a:t>
-            </a:r>
-          </a:p>
-          <a:p>
-            <a:pPr marL="342900" indent="-342900">
-              <a:buFont typeface="Arial" panose="020B0604020202020204" pitchFamily="34" charset="0"/>
-              <a:buChar char="•"/>
-            </a:pPr>
-            <a:r>
-              <a:rPr lang="en-GB" sz="2400" dirty="0"/>
-              <a:t>2019: 463 million adults </a:t>
-            </a:r>
-            <a:r>
-              <a:rPr lang="en-GB" sz="2400" dirty="0">
-                <a:sym typeface="Wingdings" panose="05000000000000000000" pitchFamily="2" charset="2"/>
-              </a:rPr>
-              <a:t>				2045: 700 million adults (1).</a:t>
-            </a:r>
-          </a:p>
-          <a:p>
-            <a:pPr marL="342900" indent="-342900">
-              <a:buFont typeface="Arial" panose="020B0604020202020204" pitchFamily="34" charset="0"/>
-              <a:buChar char="•"/>
-            </a:pPr>
-            <a:r>
-              <a:rPr lang="en-GB" sz="2400" dirty="0"/>
-              <a:t>90-95% of all diabetes (2).</a:t>
-            </a:r>
-          </a:p>
-          <a:p>
-            <a:endParaRPr lang="en-GB" sz="2400" dirty="0"/>
-          </a:p>
-          <a:p>
-            <a:r>
-              <a:rPr lang="en-GB" sz="2400" dirty="0"/>
-              <a:t>Pathophysiology:</a:t>
-            </a:r>
-          </a:p>
-          <a:p>
-            <a:endParaRPr lang="en-GB" sz="2400" dirty="0"/>
-          </a:p>
-          <a:p>
-            <a:endParaRPr lang="en-GB" sz="2400" dirty="0"/>
-          </a:p>
-          <a:p>
-            <a:endParaRPr lang="en-GB" sz="2400" dirty="0"/>
-          </a:p>
-          <a:p>
-            <a:endParaRPr lang="en-GB" sz="2400" dirty="0"/>
-          </a:p>
-          <a:p>
-            <a:endParaRPr lang="en-GB" sz="2400" dirty="0"/>
-          </a:p>
-          <a:p>
-            <a:endParaRPr lang="en-GB" sz="2400" dirty="0"/>
-          </a:p>
-          <a:p>
-            <a:endParaRPr lang="en-GB" sz="2400" dirty="0"/>
-          </a:p>
-          <a:p>
-            <a:endParaRPr lang="en-GB" sz="2400" dirty="0"/>
-          </a:p>
-          <a:p>
-            <a:endParaRPr lang="en-GB" sz="2400" dirty="0"/>
-          </a:p>
-          <a:p>
-            <a:pPr marL="285750" indent="-285750">
-              <a:buFontTx/>
-              <a:buChar char="-"/>
-            </a:pPr>
-            <a:endParaRPr lang="en-GB" dirty="0"/>
-          </a:p>
-        </p:txBody>
-      </p:sp>
-      <p:pic>
-        <p:nvPicPr>
-          <p:cNvPr id="3" name="Picture 2">
-            <a:extLst>
-              <a:ext uri="{FF2B5EF4-FFF2-40B4-BE49-F238E27FC236}">
-                <a16:creationId xmlns:a16="http://schemas.microsoft.com/office/drawing/2014/main" id="{432E9C5D-3578-41A5-AA02-B642883E2D0B}"/>
-              </a:ext>
-            </a:extLst>
-          </p:cNvPr>
-          <p:cNvPicPr>
-            <a:picLocks noChangeAspect="1"/>
-          </p:cNvPicPr>
-          <p:nvPr/>
-        </p:nvPicPr>
-        <p:blipFill>
-          <a:blip r:embed="rId3"/>
-          <a:stretch>
-            <a:fillRect/>
-          </a:stretch>
-        </p:blipFill>
-        <p:spPr>
-          <a:xfrm>
-            <a:off x="3688419" y="3225065"/>
-            <a:ext cx="5120106" cy="3054685"/>
-          </a:xfrm>
-          <a:prstGeom prst="rect">
-            <a:avLst/>
-          </a:prstGeom>
-        </p:spPr>
-      </p:pic>
-      <p:sp>
-        <p:nvSpPr>
-          <p:cNvPr id="2" name="Title 1">
-            <a:extLst>
-              <a:ext uri="{FF2B5EF4-FFF2-40B4-BE49-F238E27FC236}">
-                <a16:creationId xmlns:a16="http://schemas.microsoft.com/office/drawing/2014/main" id="{1AD3D90E-C50B-4DFA-9CCB-5680F71C1507}"/>
-              </a:ext>
-            </a:extLst>
-          </p:cNvPr>
-          <p:cNvSpPr>
-            <a:spLocks noGrp="1"/>
-          </p:cNvSpPr>
-          <p:nvPr>
-            <p:ph type="title"/>
-          </p:nvPr>
-        </p:nvSpPr>
-        <p:spPr/>
-        <p:txBody>
-          <a:bodyPr/>
-          <a:lstStyle/>
-          <a:p>
-            <a:r>
-              <a:rPr lang="en-GB" dirty="0"/>
-              <a:t>Introduction: T2DM</a:t>
-            </a:r>
-          </a:p>
-        </p:txBody>
-      </p:sp>
-      <p:pic>
-        <p:nvPicPr>
-          <p:cNvPr id="5" name="Content Placeholder 4" descr="Badge 1">
-            <a:extLst>
-              <a:ext uri="{FF2B5EF4-FFF2-40B4-BE49-F238E27FC236}">
-                <a16:creationId xmlns:a16="http://schemas.microsoft.com/office/drawing/2014/main" id="{A2996364-745F-4EF7-9F8E-C82601F66B4D}"/>
-              </a:ext>
-            </a:extLst>
-          </p:cNvPr>
-          <p:cNvPicPr>
-            <a:picLocks noGrp="1" noChangeAspect="1"/>
-          </p:cNvPicPr>
-          <p:nvPr>
-            <p:ph idx="1"/>
-          </p:nvPr>
-        </p:nvPicPr>
-        <p:blipFill>
-          <a:blip r:embed="rId4">
-            <a:extLst>
-              <a:ext uri="{28A0092B-C50C-407E-A947-70E740481C1C}">
-                <a14:useLocalDpi xmlns:a14="http://schemas.microsoft.com/office/drawing/2010/main" val="0"/>
-              </a:ext>
-              <a:ext uri="{96DAC541-7B7A-43D3-8B79-37D633B846F1}">
-                <asvg:svgBlip xmlns:asvg="http://schemas.microsoft.com/office/drawing/2016/SVG/main" r:embed="rId5"/>
-              </a:ext>
-            </a:extLst>
-          </a:blip>
-          <a:stretch>
-            <a:fillRect/>
-          </a:stretch>
-        </p:blipFill>
-        <p:spPr>
-          <a:xfrm>
-            <a:off x="10422011" y="424143"/>
-            <a:ext cx="722239" cy="722239"/>
-          </a:xfrm>
-        </p:spPr>
-      </p:pic>
-      <p:sp>
-        <p:nvSpPr>
-          <p:cNvPr id="9" name="Arrow: Right 8">
-            <a:extLst>
-              <a:ext uri="{FF2B5EF4-FFF2-40B4-BE49-F238E27FC236}">
-                <a16:creationId xmlns:a16="http://schemas.microsoft.com/office/drawing/2014/main" id="{904380CD-0E4E-4D4E-85F2-B7219AFA24CF}"/>
-              </a:ext>
-            </a:extLst>
-          </p:cNvPr>
-          <p:cNvSpPr/>
-          <p:nvPr/>
-        </p:nvSpPr>
-        <p:spPr>
-          <a:xfrm>
-            <a:off x="4561726" y="1335031"/>
-            <a:ext cx="1534274" cy="770562"/>
-          </a:xfrm>
-          <a:prstGeom prst="rightArrow">
-            <a:avLst/>
-          </a:prstGeom>
-          <a:ln>
-            <a:solidFill>
-              <a:schemeClr val="accent1"/>
-            </a:solidFill>
-          </a:ln>
-        </p:spPr>
-        <p:style>
-          <a:lnRef idx="2">
-            <a:schemeClr val="accent1">
-              <a:shade val="50000"/>
-            </a:schemeClr>
-          </a:lnRef>
-          <a:fillRef idx="1">
-            <a:schemeClr val="accent1"/>
-          </a:fillRef>
-          <a:effectRef idx="0">
-            <a:schemeClr val="accent1"/>
-          </a:effectRef>
-          <a:fontRef idx="minor">
-            <a:schemeClr val="lt1"/>
-          </a:fontRef>
-        </p:style>
-        <p:txBody>
-          <a:bodyPr rtlCol="0" anchor="ctr"/>
-          <a:lstStyle/>
-          <a:p>
-            <a:pPr algn="ctr"/>
-            <a:endParaRPr lang="en-GB"/>
-          </a:p>
-        </p:txBody>
-      </p:sp>
-      <p:sp>
-        <p:nvSpPr>
-          <p:cNvPr id="10" name="TextBox 9">
-            <a:extLst>
-              <a:ext uri="{FF2B5EF4-FFF2-40B4-BE49-F238E27FC236}">
-                <a16:creationId xmlns:a16="http://schemas.microsoft.com/office/drawing/2014/main" id="{8F4EBED7-2C9C-456C-A2D1-D25F2AFF951A}"/>
-              </a:ext>
-            </a:extLst>
-          </p:cNvPr>
-          <p:cNvSpPr txBox="1"/>
-          <p:nvPr/>
-        </p:nvSpPr>
-        <p:spPr>
-          <a:xfrm>
-            <a:off x="4787757" y="1535646"/>
-            <a:ext cx="832207" cy="369332"/>
-          </a:xfrm>
-          <a:prstGeom prst="rect">
-            <a:avLst/>
-          </a:prstGeom>
-          <a:noFill/>
-        </p:spPr>
-        <p:txBody>
-          <a:bodyPr wrap="square" rtlCol="0">
-            <a:spAutoFit/>
-          </a:bodyPr>
-          <a:lstStyle/>
-          <a:p>
-            <a:pPr algn="ctr"/>
-            <a:r>
-              <a:rPr lang="en-GB" dirty="0"/>
-              <a:t>51%</a:t>
-            </a:r>
-          </a:p>
-        </p:txBody>
-      </p:sp>
-      <p:sp>
-        <p:nvSpPr>
-          <p:cNvPr id="13" name="TextBox 12">
-            <a:extLst>
-              <a:ext uri="{FF2B5EF4-FFF2-40B4-BE49-F238E27FC236}">
-                <a16:creationId xmlns:a16="http://schemas.microsoft.com/office/drawing/2014/main" id="{CF9D096C-FB83-4A91-932F-5BD89A1A43CE}"/>
-              </a:ext>
-            </a:extLst>
-          </p:cNvPr>
-          <p:cNvSpPr txBox="1"/>
-          <p:nvPr/>
-        </p:nvSpPr>
-        <p:spPr>
-          <a:xfrm>
-            <a:off x="3623201" y="6228020"/>
-            <a:ext cx="520562" cy="369332"/>
-          </a:xfrm>
-          <a:prstGeom prst="rect">
-            <a:avLst/>
-          </a:prstGeom>
-          <a:noFill/>
-        </p:spPr>
-        <p:txBody>
-          <a:bodyPr wrap="square" rtlCol="0">
-            <a:spAutoFit/>
-          </a:bodyPr>
-          <a:lstStyle/>
-          <a:p>
-            <a:r>
-              <a:rPr lang="en-GB" dirty="0"/>
-              <a:t>(3)</a:t>
-            </a:r>
-          </a:p>
-        </p:txBody>
-      </p:sp>
-      <p:sp>
-        <p:nvSpPr>
-          <p:cNvPr id="4" name="Rectangle 3">
-            <a:extLst>
-              <a:ext uri="{FF2B5EF4-FFF2-40B4-BE49-F238E27FC236}">
-                <a16:creationId xmlns:a16="http://schemas.microsoft.com/office/drawing/2014/main" id="{6311EA37-218B-4B5F-BA7A-A78CC7C094E8}"/>
-              </a:ext>
-            </a:extLst>
-          </p:cNvPr>
-          <p:cNvSpPr/>
-          <p:nvPr/>
-        </p:nvSpPr>
-        <p:spPr>
-          <a:xfrm>
-            <a:off x="7809516" y="6162112"/>
-            <a:ext cx="520562" cy="107364"/>
-          </a:xfrm>
-          <a:prstGeom prst="rect">
-            <a:avLst/>
-          </a:prstGeom>
-          <a:solidFill>
-            <a:schemeClr val="tx1"/>
-          </a:solidFill>
-          <a:ln>
-            <a:solidFill>
-              <a:schemeClr val="tx1"/>
-            </a:solidFill>
-          </a:ln>
-        </p:spPr>
-        <p:style>
-          <a:lnRef idx="2">
-            <a:schemeClr val="accent1">
-              <a:shade val="50000"/>
-            </a:schemeClr>
-          </a:lnRef>
-          <a:fillRef idx="1">
-            <a:schemeClr val="accent1"/>
-          </a:fillRef>
-          <a:effectRef idx="0">
-            <a:schemeClr val="accent1"/>
-          </a:effectRef>
-          <a:fontRef idx="minor">
-            <a:schemeClr val="lt1"/>
-          </a:fontRef>
-        </p:style>
-        <p:txBody>
-          <a:bodyPr rtlCol="0" anchor="ctr"/>
-          <a:lstStyle/>
-          <a:p>
-            <a:pPr algn="ctr"/>
-            <a:endParaRPr lang="en-GB"/>
-          </a:p>
-        </p:txBody>
-      </p:sp>
-    </p:spTree>
-    <p:extLst>
-      <p:ext uri="{BB962C8B-B14F-4D97-AF65-F5344CB8AC3E}">
-        <p14:creationId xmlns:p14="http://schemas.microsoft.com/office/powerpoint/2010/main" val="133257320"/>
-      </p:ext>
-    </p:extLst>
-  </p:cSld>
-  <p:clrMapOvr>
-    <a:masterClrMapping/>
-  </p:clrMapOvr>
-</p:sld>
-</file>
-
-<file path=ppt/slides/slide20.xml><?xml version="1.0" encoding="utf-8"?>
+<file path=ppt/slides/slide19.xml><?xml version="1.0" encoding="utf-8"?>
 <p:sld xmlns:a="http://schemas.openxmlformats.org/drawingml/2006/main" xmlns:r="http://schemas.openxmlformats.org/officeDocument/2006/relationships" xmlns:p="http://schemas.openxmlformats.org/presentationml/2006/main">
   <p:cSld>
     <p:spTree>
@@ -16183,7 +15556,7 @@
                 <a:latin typeface="Arial" panose="020B0604020202020204" pitchFamily="34" charset="0"/>
                 <a:cs typeface="Arial" panose="020B0604020202020204" pitchFamily="34" charset="0"/>
               </a:rPr>
-              <a:t>19</a:t>
+              <a:t>18</a:t>
             </a:r>
           </a:p>
         </p:txBody>
@@ -17189,7 +16562,413 @@
 </p:sld>
 </file>
 
-<file path=ppt/slides/slide21.xml><?xml version="1.0" encoding="utf-8"?>
+<file path=ppt/slides/slide2.xml><?xml version="1.0" encoding="utf-8"?>
+<p:sld xmlns:a="http://schemas.openxmlformats.org/drawingml/2006/main" xmlns:r="http://schemas.openxmlformats.org/officeDocument/2006/relationships" xmlns:p="http://schemas.openxmlformats.org/presentationml/2006/main">
+  <p:cSld>
+    <p:spTree>
+      <p:nvGrpSpPr>
+        <p:cNvPr id="1" name=""/>
+        <p:cNvGrpSpPr/>
+        <p:nvPr/>
+      </p:nvGrpSpPr>
+      <p:grpSpPr>
+        <a:xfrm>
+          <a:off x="0" y="0"/>
+          <a:ext cx="0" cy="0"/>
+          <a:chOff x="0" y="0"/>
+          <a:chExt cx="0" cy="0"/>
+        </a:xfrm>
+      </p:grpSpPr>
+      <p:sp>
+        <p:nvSpPr>
+          <p:cNvPr id="7" name="TextBox 6">
+            <a:extLst>
+              <a:ext uri="{FF2B5EF4-FFF2-40B4-BE49-F238E27FC236}">
+                <a16:creationId xmlns:a16="http://schemas.microsoft.com/office/drawing/2014/main" id="{041F3778-7216-4345-9C36-30D7F3349F41}"/>
+              </a:ext>
+            </a:extLst>
+          </p:cNvPr>
+          <p:cNvSpPr txBox="1"/>
+          <p:nvPr/>
+        </p:nvSpPr>
+        <p:spPr>
+          <a:xfrm>
+            <a:off x="646111" y="1152983"/>
+            <a:ext cx="10294605" cy="5539978"/>
+          </a:xfrm>
+          <a:prstGeom prst="rect">
+            <a:avLst/>
+          </a:prstGeom>
+          <a:noFill/>
+        </p:spPr>
+        <p:txBody>
+          <a:bodyPr wrap="square" rtlCol="0">
+            <a:spAutoFit/>
+          </a:bodyPr>
+          <a:lstStyle/>
+          <a:p>
+            <a:r>
+              <a:rPr lang="en-GB" sz="2400" dirty="0"/>
+              <a:t>Importance:</a:t>
+            </a:r>
+          </a:p>
+          <a:p>
+            <a:pPr marL="342900" indent="-342900">
+              <a:buFont typeface="Arial" panose="020B0604020202020204" pitchFamily="34" charset="0"/>
+              <a:buChar char="•"/>
+            </a:pPr>
+            <a:r>
+              <a:rPr lang="en-GB" sz="2400" dirty="0"/>
+              <a:t>2019: 463 million adults </a:t>
+            </a:r>
+            <a:r>
+              <a:rPr lang="en-GB" sz="2400" dirty="0">
+                <a:sym typeface="Wingdings" panose="05000000000000000000" pitchFamily="2" charset="2"/>
+              </a:rPr>
+              <a:t>				2045: 700 million adults (1).</a:t>
+            </a:r>
+          </a:p>
+          <a:p>
+            <a:pPr marL="342900" indent="-342900">
+              <a:buFont typeface="Arial" panose="020B0604020202020204" pitchFamily="34" charset="0"/>
+              <a:buChar char="•"/>
+            </a:pPr>
+            <a:r>
+              <a:rPr lang="en-GB" sz="2400" dirty="0"/>
+              <a:t>90-95% of all diabetes (2).</a:t>
+            </a:r>
+          </a:p>
+          <a:p>
+            <a:endParaRPr lang="en-GB" sz="2400" dirty="0"/>
+          </a:p>
+          <a:p>
+            <a:r>
+              <a:rPr lang="en-GB" sz="2400" dirty="0"/>
+              <a:t>Pathophysiology:</a:t>
+            </a:r>
+          </a:p>
+          <a:p>
+            <a:endParaRPr lang="en-GB" sz="2400" dirty="0"/>
+          </a:p>
+          <a:p>
+            <a:endParaRPr lang="en-GB" sz="2400" dirty="0"/>
+          </a:p>
+          <a:p>
+            <a:endParaRPr lang="en-GB" sz="2400" dirty="0"/>
+          </a:p>
+          <a:p>
+            <a:endParaRPr lang="en-GB" sz="2400" dirty="0"/>
+          </a:p>
+          <a:p>
+            <a:endParaRPr lang="en-GB" sz="2400" dirty="0"/>
+          </a:p>
+          <a:p>
+            <a:endParaRPr lang="en-GB" sz="2400" dirty="0"/>
+          </a:p>
+          <a:p>
+            <a:endParaRPr lang="en-GB" sz="2400" dirty="0"/>
+          </a:p>
+          <a:p>
+            <a:endParaRPr lang="en-GB" sz="2400" dirty="0"/>
+          </a:p>
+          <a:p>
+            <a:endParaRPr lang="en-GB" sz="2400" dirty="0"/>
+          </a:p>
+          <a:p>
+            <a:pPr marL="285750" indent="-285750">
+              <a:buFontTx/>
+              <a:buChar char="-"/>
+            </a:pPr>
+            <a:endParaRPr lang="en-GB" dirty="0"/>
+          </a:p>
+        </p:txBody>
+      </p:sp>
+      <p:pic>
+        <p:nvPicPr>
+          <p:cNvPr id="3" name="Picture 2">
+            <a:extLst>
+              <a:ext uri="{FF2B5EF4-FFF2-40B4-BE49-F238E27FC236}">
+                <a16:creationId xmlns:a16="http://schemas.microsoft.com/office/drawing/2014/main" id="{432E9C5D-3578-41A5-AA02-B642883E2D0B}"/>
+              </a:ext>
+            </a:extLst>
+          </p:cNvPr>
+          <p:cNvPicPr>
+            <a:picLocks noChangeAspect="1"/>
+          </p:cNvPicPr>
+          <p:nvPr/>
+        </p:nvPicPr>
+        <p:blipFill>
+          <a:blip r:embed="rId3"/>
+          <a:stretch>
+            <a:fillRect/>
+          </a:stretch>
+        </p:blipFill>
+        <p:spPr>
+          <a:xfrm>
+            <a:off x="3688419" y="3225065"/>
+            <a:ext cx="5120106" cy="3054685"/>
+          </a:xfrm>
+          <a:prstGeom prst="rect">
+            <a:avLst/>
+          </a:prstGeom>
+        </p:spPr>
+      </p:pic>
+      <p:sp>
+        <p:nvSpPr>
+          <p:cNvPr id="2" name="Title 1">
+            <a:extLst>
+              <a:ext uri="{FF2B5EF4-FFF2-40B4-BE49-F238E27FC236}">
+                <a16:creationId xmlns:a16="http://schemas.microsoft.com/office/drawing/2014/main" id="{1AD3D90E-C50B-4DFA-9CCB-5680F71C1507}"/>
+              </a:ext>
+            </a:extLst>
+          </p:cNvPr>
+          <p:cNvSpPr>
+            <a:spLocks noGrp="1"/>
+          </p:cNvSpPr>
+          <p:nvPr>
+            <p:ph type="title"/>
+          </p:nvPr>
+        </p:nvSpPr>
+        <p:spPr/>
+        <p:txBody>
+          <a:bodyPr/>
+          <a:lstStyle/>
+          <a:p>
+            <a:r>
+              <a:rPr lang="en-GB" dirty="0"/>
+              <a:t>Introduction: T2DM</a:t>
+            </a:r>
+          </a:p>
+        </p:txBody>
+      </p:sp>
+      <p:pic>
+        <p:nvPicPr>
+          <p:cNvPr id="5" name="Content Placeholder 4" descr="Badge 1">
+            <a:extLst>
+              <a:ext uri="{FF2B5EF4-FFF2-40B4-BE49-F238E27FC236}">
+                <a16:creationId xmlns:a16="http://schemas.microsoft.com/office/drawing/2014/main" id="{A2996364-745F-4EF7-9F8E-C82601F66B4D}"/>
+              </a:ext>
+            </a:extLst>
+          </p:cNvPr>
+          <p:cNvPicPr>
+            <a:picLocks noGrp="1" noChangeAspect="1"/>
+          </p:cNvPicPr>
+          <p:nvPr>
+            <p:ph idx="1"/>
+          </p:nvPr>
+        </p:nvPicPr>
+        <p:blipFill>
+          <a:blip r:embed="rId4">
+            <a:extLst>
+              <a:ext uri="{28A0092B-C50C-407E-A947-70E740481C1C}">
+                <a14:useLocalDpi xmlns:a14="http://schemas.microsoft.com/office/drawing/2010/main" val="0"/>
+              </a:ext>
+              <a:ext uri="{96DAC541-7B7A-43D3-8B79-37D633B846F1}">
+                <asvg:svgBlip xmlns:asvg="http://schemas.microsoft.com/office/drawing/2016/SVG/main" r:embed="rId5"/>
+              </a:ext>
+            </a:extLst>
+          </a:blip>
+          <a:stretch>
+            <a:fillRect/>
+          </a:stretch>
+        </p:blipFill>
+        <p:spPr>
+          <a:xfrm>
+            <a:off x="10422011" y="424143"/>
+            <a:ext cx="722239" cy="722239"/>
+          </a:xfrm>
+        </p:spPr>
+      </p:pic>
+      <p:sp>
+        <p:nvSpPr>
+          <p:cNvPr id="9" name="Arrow: Right 8">
+            <a:extLst>
+              <a:ext uri="{FF2B5EF4-FFF2-40B4-BE49-F238E27FC236}">
+                <a16:creationId xmlns:a16="http://schemas.microsoft.com/office/drawing/2014/main" id="{904380CD-0E4E-4D4E-85F2-B7219AFA24CF}"/>
+              </a:ext>
+            </a:extLst>
+          </p:cNvPr>
+          <p:cNvSpPr/>
+          <p:nvPr/>
+        </p:nvSpPr>
+        <p:spPr>
+          <a:xfrm>
+            <a:off x="4561726" y="1335031"/>
+            <a:ext cx="1534274" cy="770562"/>
+          </a:xfrm>
+          <a:prstGeom prst="rightArrow">
+            <a:avLst/>
+          </a:prstGeom>
+          <a:ln>
+            <a:solidFill>
+              <a:schemeClr val="accent1"/>
+            </a:solidFill>
+          </a:ln>
+        </p:spPr>
+        <p:style>
+          <a:lnRef idx="2">
+            <a:schemeClr val="accent1">
+              <a:shade val="50000"/>
+            </a:schemeClr>
+          </a:lnRef>
+          <a:fillRef idx="1">
+            <a:schemeClr val="accent1"/>
+          </a:fillRef>
+          <a:effectRef idx="0">
+            <a:schemeClr val="accent1"/>
+          </a:effectRef>
+          <a:fontRef idx="minor">
+            <a:schemeClr val="lt1"/>
+          </a:fontRef>
+        </p:style>
+        <p:txBody>
+          <a:bodyPr rtlCol="0" anchor="ctr"/>
+          <a:lstStyle/>
+          <a:p>
+            <a:pPr algn="ctr"/>
+            <a:endParaRPr lang="en-GB"/>
+          </a:p>
+        </p:txBody>
+      </p:sp>
+      <p:sp>
+        <p:nvSpPr>
+          <p:cNvPr id="10" name="TextBox 9">
+            <a:extLst>
+              <a:ext uri="{FF2B5EF4-FFF2-40B4-BE49-F238E27FC236}">
+                <a16:creationId xmlns:a16="http://schemas.microsoft.com/office/drawing/2014/main" id="{8F4EBED7-2C9C-456C-A2D1-D25F2AFF951A}"/>
+              </a:ext>
+            </a:extLst>
+          </p:cNvPr>
+          <p:cNvSpPr txBox="1"/>
+          <p:nvPr/>
+        </p:nvSpPr>
+        <p:spPr>
+          <a:xfrm>
+            <a:off x="4787757" y="1535646"/>
+            <a:ext cx="832207" cy="369332"/>
+          </a:xfrm>
+          <a:prstGeom prst="rect">
+            <a:avLst/>
+          </a:prstGeom>
+          <a:noFill/>
+        </p:spPr>
+        <p:txBody>
+          <a:bodyPr wrap="square" rtlCol="0">
+            <a:spAutoFit/>
+          </a:bodyPr>
+          <a:lstStyle/>
+          <a:p>
+            <a:pPr algn="ctr"/>
+            <a:r>
+              <a:rPr lang="en-GB" dirty="0"/>
+              <a:t>51%</a:t>
+            </a:r>
+          </a:p>
+        </p:txBody>
+      </p:sp>
+      <p:sp>
+        <p:nvSpPr>
+          <p:cNvPr id="13" name="TextBox 12">
+            <a:extLst>
+              <a:ext uri="{FF2B5EF4-FFF2-40B4-BE49-F238E27FC236}">
+                <a16:creationId xmlns:a16="http://schemas.microsoft.com/office/drawing/2014/main" id="{CF9D096C-FB83-4A91-932F-5BD89A1A43CE}"/>
+              </a:ext>
+            </a:extLst>
+          </p:cNvPr>
+          <p:cNvSpPr txBox="1"/>
+          <p:nvPr/>
+        </p:nvSpPr>
+        <p:spPr>
+          <a:xfrm>
+            <a:off x="3623201" y="6228020"/>
+            <a:ext cx="520562" cy="369332"/>
+          </a:xfrm>
+          <a:prstGeom prst="rect">
+            <a:avLst/>
+          </a:prstGeom>
+          <a:noFill/>
+        </p:spPr>
+        <p:txBody>
+          <a:bodyPr wrap="square" rtlCol="0">
+            <a:spAutoFit/>
+          </a:bodyPr>
+          <a:lstStyle/>
+          <a:p>
+            <a:r>
+              <a:rPr lang="en-GB" dirty="0"/>
+              <a:t>(3)</a:t>
+            </a:r>
+          </a:p>
+        </p:txBody>
+      </p:sp>
+      <p:sp>
+        <p:nvSpPr>
+          <p:cNvPr id="4" name="Rectangle 3">
+            <a:extLst>
+              <a:ext uri="{FF2B5EF4-FFF2-40B4-BE49-F238E27FC236}">
+                <a16:creationId xmlns:a16="http://schemas.microsoft.com/office/drawing/2014/main" id="{6311EA37-218B-4B5F-BA7A-A78CC7C094E8}"/>
+              </a:ext>
+            </a:extLst>
+          </p:cNvPr>
+          <p:cNvSpPr/>
+          <p:nvPr/>
+        </p:nvSpPr>
+        <p:spPr>
+          <a:xfrm>
+            <a:off x="7809516" y="6162112"/>
+            <a:ext cx="520562" cy="107364"/>
+          </a:xfrm>
+          <a:prstGeom prst="rect">
+            <a:avLst/>
+          </a:prstGeom>
+          <a:solidFill>
+            <a:schemeClr val="tx1"/>
+          </a:solidFill>
+          <a:ln>
+            <a:solidFill>
+              <a:schemeClr val="tx1"/>
+            </a:solidFill>
+          </a:ln>
+        </p:spPr>
+        <p:style>
+          <a:lnRef idx="2">
+            <a:schemeClr val="accent1">
+              <a:shade val="50000"/>
+            </a:schemeClr>
+          </a:lnRef>
+          <a:fillRef idx="1">
+            <a:schemeClr val="accent1"/>
+          </a:fillRef>
+          <a:effectRef idx="0">
+            <a:schemeClr val="accent1"/>
+          </a:effectRef>
+          <a:fontRef idx="minor">
+            <a:schemeClr val="lt1"/>
+          </a:fontRef>
+        </p:style>
+        <p:txBody>
+          <a:bodyPr rtlCol="0" anchor="ctr"/>
+          <a:lstStyle/>
+          <a:p>
+            <a:pPr algn="ctr"/>
+            <a:endParaRPr lang="en-GB"/>
+          </a:p>
+        </p:txBody>
+      </p:sp>
+    </p:spTree>
+    <p:extLst>
+      <p:ext uri="{BB962C8B-B14F-4D97-AF65-F5344CB8AC3E}">
+        <p14:creationId xmlns:p14="http://schemas.microsoft.com/office/powerpoint/2010/main" val="133257320"/>
+      </p:ext>
+    </p:extLst>
+  </p:cSld>
+  <p:clrMapOvr>
+    <a:masterClrMapping/>
+  </p:clrMapOvr>
+</p:sld>
+</file>
+
+<file path=ppt/slides/slide20.xml><?xml version="1.0" encoding="utf-8"?>
 <p:sld xmlns:a="http://schemas.openxmlformats.org/drawingml/2006/main" xmlns:r="http://schemas.openxmlformats.org/officeDocument/2006/relationships" xmlns:p="http://schemas.openxmlformats.org/presentationml/2006/main">
   <p:cSld>
     <p:spTree>
@@ -17339,7 +17118,7 @@
                 <a:latin typeface="Arial" panose="020B0604020202020204" pitchFamily="34" charset="0"/>
                 <a:cs typeface="Arial" panose="020B0604020202020204" pitchFamily="34" charset="0"/>
               </a:rPr>
-              <a:t>20</a:t>
+              <a:t>19</a:t>
             </a:r>
           </a:p>
         </p:txBody>
@@ -17978,7 +17757,7 @@
 </p:sld>
 </file>
 
-<file path=ppt/slides/slide22.xml><?xml version="1.0" encoding="utf-8"?>
+<file path=ppt/slides/slide21.xml><?xml version="1.0" encoding="utf-8"?>
 <p:sld xmlns:a="http://schemas.openxmlformats.org/drawingml/2006/main" xmlns:r="http://schemas.openxmlformats.org/officeDocument/2006/relationships" xmlns:p="http://schemas.openxmlformats.org/presentationml/2006/main">
   <p:cSld>
     <p:spTree>
@@ -18080,7 +17859,7 @@
                 <a:latin typeface="Arial" panose="020B0604020202020204" pitchFamily="34" charset="0"/>
                 <a:cs typeface="Arial" panose="020B0604020202020204" pitchFamily="34" charset="0"/>
               </a:rPr>
-              <a:t>21</a:t>
+              <a:t>20</a:t>
             </a:r>
           </a:p>
         </p:txBody>
@@ -19323,7 +19102,7 @@
 </p:sld>
 </file>
 
-<file path=ppt/slides/slide23.xml><?xml version="1.0" encoding="utf-8"?>
+<file path=ppt/slides/slide22.xml><?xml version="1.0" encoding="utf-8"?>
 <p:sld xmlns:a="http://schemas.openxmlformats.org/drawingml/2006/main" xmlns:r="http://schemas.openxmlformats.org/officeDocument/2006/relationships" xmlns:p="http://schemas.openxmlformats.org/presentationml/2006/main">
   <p:cSld>
     <p:spTree>
@@ -19425,7 +19204,7 @@
                 <a:latin typeface="Arial" panose="020B0604020202020204" pitchFamily="34" charset="0"/>
                 <a:cs typeface="Arial" panose="020B0604020202020204" pitchFamily="34" charset="0"/>
               </a:rPr>
-              <a:t>22</a:t>
+              <a:t>21</a:t>
             </a:r>
           </a:p>
         </p:txBody>
@@ -20849,7 +20628,7 @@
 </p:sld>
 </file>
 
-<file path=ppt/slides/slide24.xml><?xml version="1.0" encoding="utf-8"?>
+<file path=ppt/slides/slide23.xml><?xml version="1.0" encoding="utf-8"?>
 <p:sld xmlns:a="http://schemas.openxmlformats.org/drawingml/2006/main" xmlns:r="http://schemas.openxmlformats.org/officeDocument/2006/relationships" xmlns:p="http://schemas.openxmlformats.org/presentationml/2006/main">
   <p:cSld>
     <p:spTree>
@@ -21053,7 +20832,7 @@
                 <a:latin typeface="Arial" panose="020B0604020202020204" pitchFamily="34" charset="0"/>
                 <a:cs typeface="Arial" panose="020B0604020202020204" pitchFamily="34" charset="0"/>
               </a:rPr>
-              <a:t>23</a:t>
+              <a:t>22</a:t>
             </a:r>
           </a:p>
         </p:txBody>
@@ -21071,7 +20850,7 @@
 </p:sld>
 </file>
 
-<file path=ppt/slides/slide25.xml><?xml version="1.0" encoding="utf-8"?>
+<file path=ppt/slides/slide24.xml><?xml version="1.0" encoding="utf-8"?>
 <p:sld xmlns:a="http://schemas.openxmlformats.org/drawingml/2006/main" xmlns:r="http://schemas.openxmlformats.org/officeDocument/2006/relationships" xmlns:p="http://schemas.openxmlformats.org/presentationml/2006/main">
   <p:cSld>
     <p:spTree>
@@ -21229,7 +21008,7 @@
 </p:sld>
 </file>
 
-<file path=ppt/slides/slide26.xml><?xml version="1.0" encoding="utf-8"?>
+<file path=ppt/slides/slide25.xml><?xml version="1.0" encoding="utf-8"?>
 <p:sld xmlns:a="http://schemas.openxmlformats.org/drawingml/2006/main" xmlns:r="http://schemas.openxmlformats.org/officeDocument/2006/relationships" xmlns:p="http://schemas.openxmlformats.org/presentationml/2006/main" show="0">
   <p:cSld>
     <p:spTree>
@@ -21444,6 +21223,259 @@
     <p:extLst>
       <p:ext uri="{BB962C8B-B14F-4D97-AF65-F5344CB8AC3E}">
         <p14:creationId xmlns:p14="http://schemas.microsoft.com/office/powerpoint/2010/main" val="869727526"/>
+      </p:ext>
+    </p:extLst>
+  </p:cSld>
+  <p:clrMapOvr>
+    <a:masterClrMapping/>
+  </p:clrMapOvr>
+</p:sld>
+</file>
+
+<file path=ppt/slides/slide26.xml><?xml version="1.0" encoding="utf-8"?>
+<p:sld xmlns:a="http://schemas.openxmlformats.org/drawingml/2006/main" xmlns:r="http://schemas.openxmlformats.org/officeDocument/2006/relationships" xmlns:p="http://schemas.openxmlformats.org/presentationml/2006/main" show="0">
+  <p:cSld>
+    <p:spTree>
+      <p:nvGrpSpPr>
+        <p:cNvPr id="1" name=""/>
+        <p:cNvGrpSpPr/>
+        <p:nvPr/>
+      </p:nvGrpSpPr>
+      <p:grpSpPr>
+        <a:xfrm>
+          <a:off x="0" y="0"/>
+          <a:ext cx="0" cy="0"/>
+          <a:chOff x="0" y="0"/>
+          <a:chExt cx="0" cy="0"/>
+        </a:xfrm>
+      </p:grpSpPr>
+      <p:sp>
+        <p:nvSpPr>
+          <p:cNvPr id="6" name="Oval 5">
+            <a:extLst>
+              <a:ext uri="{FF2B5EF4-FFF2-40B4-BE49-F238E27FC236}">
+                <a16:creationId xmlns:a16="http://schemas.microsoft.com/office/drawing/2014/main" id="{45182AFA-C698-45B2-B5FD-2ED6D1B31545}"/>
+              </a:ext>
+            </a:extLst>
+          </p:cNvPr>
+          <p:cNvSpPr/>
+          <p:nvPr/>
+        </p:nvSpPr>
+        <p:spPr>
+          <a:xfrm>
+            <a:off x="10488426" y="488805"/>
+            <a:ext cx="578504" cy="586960"/>
+          </a:xfrm>
+          <a:prstGeom prst="ellipse">
+            <a:avLst/>
+          </a:prstGeom>
+          <a:noFill/>
+          <a:ln w="38100">
+            <a:solidFill>
+              <a:schemeClr val="tx1"/>
+            </a:solidFill>
+          </a:ln>
+        </p:spPr>
+        <p:style>
+          <a:lnRef idx="2">
+            <a:schemeClr val="accent1">
+              <a:shade val="50000"/>
+            </a:schemeClr>
+          </a:lnRef>
+          <a:fillRef idx="1">
+            <a:schemeClr val="accent1"/>
+          </a:fillRef>
+          <a:effectRef idx="0">
+            <a:schemeClr val="accent1"/>
+          </a:effectRef>
+          <a:fontRef idx="minor">
+            <a:schemeClr val="lt1"/>
+          </a:fontRef>
+        </p:style>
+        <p:txBody>
+          <a:bodyPr rtlCol="0" anchor="ctr"/>
+          <a:lstStyle/>
+          <a:p>
+            <a:pPr algn="ctr"/>
+            <a:endParaRPr lang="en-GB"/>
+          </a:p>
+        </p:txBody>
+      </p:sp>
+      <p:sp>
+        <p:nvSpPr>
+          <p:cNvPr id="8" name="TextBox 7">
+            <a:extLst>
+              <a:ext uri="{FF2B5EF4-FFF2-40B4-BE49-F238E27FC236}">
+                <a16:creationId xmlns:a16="http://schemas.microsoft.com/office/drawing/2014/main" id="{1DCB0153-4073-4521-B09D-7E97C15969DB}"/>
+              </a:ext>
+            </a:extLst>
+          </p:cNvPr>
+          <p:cNvSpPr txBox="1"/>
+          <p:nvPr/>
+        </p:nvSpPr>
+        <p:spPr>
+          <a:xfrm>
+            <a:off x="10510347" y="551452"/>
+            <a:ext cx="534661" cy="461665"/>
+          </a:xfrm>
+          <a:prstGeom prst="rect">
+            <a:avLst/>
+          </a:prstGeom>
+          <a:noFill/>
+        </p:spPr>
+        <p:txBody>
+          <a:bodyPr wrap="square" rtlCol="0">
+            <a:spAutoFit/>
+          </a:bodyPr>
+          <a:lstStyle/>
+          <a:p>
+            <a:r>
+              <a:rPr lang="en-GB" sz="2400" b="1" dirty="0">
+                <a:latin typeface="Arial" panose="020B0604020202020204" pitchFamily="34" charset="0"/>
+                <a:cs typeface="Arial" panose="020B0604020202020204" pitchFamily="34" charset="0"/>
+              </a:rPr>
+              <a:t>17</a:t>
+            </a:r>
+          </a:p>
+        </p:txBody>
+      </p:sp>
+      <p:pic>
+        <p:nvPicPr>
+          <p:cNvPr id="4102" name="Picture 6">
+            <a:extLst>
+              <a:ext uri="{FF2B5EF4-FFF2-40B4-BE49-F238E27FC236}">
+                <a16:creationId xmlns:a16="http://schemas.microsoft.com/office/drawing/2014/main" id="{8C189D3C-16DA-456F-9C75-4CC2CD9A84B9}"/>
+              </a:ext>
+            </a:extLst>
+          </p:cNvPr>
+          <p:cNvPicPr>
+            <a:picLocks noChangeAspect="1" noChangeArrowheads="1"/>
+          </p:cNvPicPr>
+          <p:nvPr/>
+        </p:nvPicPr>
+        <p:blipFill>
+          <a:blip r:embed="rId3">
+            <a:extLst>
+              <a:ext uri="{28A0092B-C50C-407E-A947-70E740481C1C}">
+                <a14:useLocalDpi xmlns:a14="http://schemas.microsoft.com/office/drawing/2010/main" val="0"/>
+              </a:ext>
+            </a:extLst>
+          </a:blip>
+          <a:srcRect/>
+          <a:stretch>
+            <a:fillRect/>
+          </a:stretch>
+        </p:blipFill>
+        <p:spPr bwMode="auto">
+          <a:xfrm>
+            <a:off x="2181688" y="2434728"/>
+            <a:ext cx="7828624" cy="4048956"/>
+          </a:xfrm>
+          <a:prstGeom prst="rect">
+            <a:avLst/>
+          </a:prstGeom>
+          <a:noFill/>
+          <a:extLst>
+            <a:ext uri="{909E8E84-426E-40DD-AFC4-6F175D3DCCD1}">
+              <a14:hiddenFill xmlns:a14="http://schemas.microsoft.com/office/drawing/2010/main">
+                <a:solidFill>
+                  <a:srgbClr val="FFFFFF"/>
+                </a:solidFill>
+              </a14:hiddenFill>
+            </a:ext>
+          </a:extLst>
+        </p:spPr>
+      </p:pic>
+      <p:sp>
+        <p:nvSpPr>
+          <p:cNvPr id="7" name="Title 1">
+            <a:extLst>
+              <a:ext uri="{FF2B5EF4-FFF2-40B4-BE49-F238E27FC236}">
+                <a16:creationId xmlns:a16="http://schemas.microsoft.com/office/drawing/2014/main" id="{894F5E17-16CC-4DD2-86BC-93A4E7658A0B}"/>
+              </a:ext>
+            </a:extLst>
+          </p:cNvPr>
+          <p:cNvSpPr>
+            <a:spLocks noGrp="1"/>
+          </p:cNvSpPr>
+          <p:nvPr>
+            <p:ph type="title"/>
+          </p:nvPr>
+        </p:nvSpPr>
+        <p:spPr>
+          <a:xfrm>
+            <a:off x="646111" y="452718"/>
+            <a:ext cx="9404723" cy="1982010"/>
+          </a:xfrm>
+        </p:spPr>
+        <p:txBody>
+          <a:bodyPr/>
+          <a:lstStyle/>
+          <a:p>
+            <a:pPr>
+              <a:lnSpc>
+                <a:spcPts val="5200"/>
+              </a:lnSpc>
+              <a:spcBef>
+                <a:spcPts val="600"/>
+              </a:spcBef>
+              <a:spcAft>
+                <a:spcPts val="600"/>
+              </a:spcAft>
+            </a:pPr>
+            <a:r>
+              <a:rPr lang="en-GB" sz="3700" dirty="0"/>
+              <a:t>Results: 4</a:t>
+            </a:r>
+            <a:br>
+              <a:rPr lang="en-GB" sz="3700" dirty="0"/>
+            </a:br>
+            <a:r>
+              <a:rPr lang="en-GB" sz="3200" dirty="0"/>
+              <a:t>Shannon diversity </a:t>
+            </a:r>
+            <a:endParaRPr lang="en-GB" sz="2000" dirty="0"/>
+          </a:p>
+        </p:txBody>
+      </p:sp>
+      <p:sp>
+        <p:nvSpPr>
+          <p:cNvPr id="2" name="Rectangle 1">
+            <a:extLst>
+              <a:ext uri="{FF2B5EF4-FFF2-40B4-BE49-F238E27FC236}">
+                <a16:creationId xmlns:a16="http://schemas.microsoft.com/office/drawing/2014/main" id="{3C65FB1C-2B70-4BF6-932A-99D08C910FD2}"/>
+              </a:ext>
+            </a:extLst>
+          </p:cNvPr>
+          <p:cNvSpPr/>
+          <p:nvPr/>
+        </p:nvSpPr>
+        <p:spPr>
+          <a:xfrm>
+            <a:off x="646111" y="1768074"/>
+            <a:ext cx="5129930" cy="369332"/>
+          </a:xfrm>
+          <a:prstGeom prst="rect">
+            <a:avLst/>
+          </a:prstGeom>
+        </p:spPr>
+        <p:txBody>
+          <a:bodyPr wrap="none">
+            <a:spAutoFit/>
+          </a:bodyPr>
+          <a:lstStyle/>
+          <a:p>
+            <a:r>
+              <a:rPr lang="en-GB" dirty="0"/>
+              <a:t>= measure of species diversity and evenness</a:t>
+            </a:r>
+          </a:p>
+        </p:txBody>
+      </p:sp>
+    </p:spTree>
+    <p:extLst>
+      <p:ext uri="{BB962C8B-B14F-4D97-AF65-F5344CB8AC3E}">
+        <p14:creationId xmlns:p14="http://schemas.microsoft.com/office/powerpoint/2010/main" val="100993775"/>
       </p:ext>
     </p:extLst>
   </p:cSld>
@@ -22825,13 +22857,6 @@
             <a:r>
               <a:rPr lang="en-GB" dirty="0"/>
               <a:t>Phyla abundances</a:t>
-            </a:r>
-          </a:p>
-          <a:p>
-            <a:pPr algn="ctr"/>
-            <a:r>
-              <a:rPr lang="en-GB" dirty="0"/>
-              <a:t>Shannon diversity </a:t>
             </a:r>
           </a:p>
           <a:p>
@@ -24377,7 +24402,7 @@
         </p:blipFill>
         <p:spPr>
           <a:xfrm>
-            <a:off x="3229084" y="4608425"/>
+            <a:off x="6920120" y="1062729"/>
             <a:ext cx="546272" cy="546272"/>
           </a:xfrm>
           <a:prstGeom prst="rect">
@@ -24416,7 +24441,7 @@
         </p:blipFill>
         <p:spPr>
           <a:xfrm>
-            <a:off x="6892794" y="1033181"/>
+            <a:off x="9508701" y="1749665"/>
             <a:ext cx="546272" cy="546272"/>
           </a:xfrm>
           <a:prstGeom prst="rect">
@@ -24455,7 +24480,7 @@
         </p:blipFill>
         <p:spPr>
           <a:xfrm>
-            <a:off x="9463217" y="1841588"/>
+            <a:off x="3235095" y="4573948"/>
             <a:ext cx="546272" cy="546272"/>
           </a:xfrm>
           <a:prstGeom prst="rect">
@@ -25079,21 +25104,39 @@
                                   </p:childTnLst>
                                 </p:cTn>
                               </p:par>
+                            </p:childTnLst>
+                          </p:cTn>
+                        </p:par>
+                      </p:childTnLst>
+                    </p:cTn>
+                  </p:par>
+                  <p:par>
+                    <p:cTn id="24" fill="hold">
+                      <p:stCondLst>
+                        <p:cond delay="indefinite"/>
+                      </p:stCondLst>
+                      <p:childTnLst>
+                        <p:par>
+                          <p:cTn id="25" fill="hold">
+                            <p:stCondLst>
+                              <p:cond delay="0"/>
+                            </p:stCondLst>
+                            <p:childTnLst>
                               <p:par>
-                                <p:cTn id="24" presetID="1" presetClass="entr" presetSubtype="0" fill="hold" nodeType="withEffect">
+                                <p:cTn id="26" presetID="1" presetClass="entr" presetSubtype="0" fill="hold" grpId="0" nodeType="clickEffect">
                                   <p:stCondLst>
                                     <p:cond delay="0"/>
                                   </p:stCondLst>
                                   <p:childTnLst>
                                     <p:set>
                                       <p:cBhvr>
-                                        <p:cTn id="25" dur="1" fill="hold">
+                                        <p:cTn id="27" dur="1" fill="hold">
                                           <p:stCondLst>
                                             <p:cond delay="0"/>
                                           </p:stCondLst>
                                         </p:cTn>
                                         <p:tgtEl>
-                                          <p:spTgt spid="60"/>
+                                          <p:spTgt spid="45"/>
                                         </p:tgtEl>
                                         <p:attrNameLst>
                                           <p:attrName>style.visibility</p:attrName>
@@ -25107,20 +25150,20 @@
                                 </p:cTn>
                               </p:par>
                               <p:par>
-                                <p:cTn id="26" presetID="1" presetClass="entr" presetSubtype="0" fill="hold" grpId="0" nodeType="withEffect">
+                                <p:cTn id="28" presetID="1" presetClass="entr" presetSubtype="0" fill="hold" grpId="0" nodeType="withEffect">
                                   <p:stCondLst>
                                     <p:cond delay="0"/>
                                   </p:stCondLst>
                                   <p:childTnLst>
                                     <p:set>
                                       <p:cBhvr>
-                                        <p:cTn id="27" dur="1" fill="hold">
+                                        <p:cTn id="29" dur="1" fill="hold">
                                           <p:stCondLst>
                                             <p:cond delay="0"/>
                                           </p:stCondLst>
                                         </p:cTn>
                                         <p:tgtEl>
-                                          <p:spTgt spid="10"/>
+                                          <p:spTgt spid="28"/>
                                         </p:tgtEl>
                                         <p:attrNameLst>
                                           <p:attrName>style.visibility</p:attrName>
@@ -25133,26 +25176,8 @@
                                   </p:childTnLst>
                                 </p:cTn>
                               </p:par>
-                            </p:childTnLst>
-                          </p:cTn>
-                        </p:par>
-                      </p:childTnLst>
-                    </p:cTn>
-                  </p:par>
-                  <p:par>
-                    <p:cTn id="28" fill="hold">
-                      <p:stCondLst>
-                        <p:cond delay="indefinite"/>
-                      </p:stCondLst>
-                      <p:childTnLst>
-                        <p:par>
-                          <p:cTn id="29" fill="hold">
-                            <p:stCondLst>
-                              <p:cond delay="0"/>
-                            </p:stCondLst>
-                            <p:childTnLst>
                               <p:par>
-                                <p:cTn id="30" presetID="1" presetClass="entr" presetSubtype="0" fill="hold" grpId="0" nodeType="clickEffect">
+                                <p:cTn id="30" presetID="1" presetClass="entr" presetSubtype="0" fill="hold" grpId="0" nodeType="withEffect">
                                   <p:stCondLst>
                                     <p:cond delay="0"/>
                                   </p:stCondLst>
@@ -25165,7 +25190,7 @@
                                           </p:stCondLst>
                                         </p:cTn>
                                         <p:tgtEl>
-                                          <p:spTgt spid="45"/>
+                                          <p:spTgt spid="29"/>
                                         </p:tgtEl>
                                         <p:attrNameLst>
                                           <p:attrName>style.visibility</p:attrName>
@@ -25192,7 +25217,7 @@
                                           </p:stCondLst>
                                         </p:cTn>
                                         <p:tgtEl>
-                                          <p:spTgt spid="23"/>
+                                          <p:spTgt spid="30"/>
                                         </p:tgtEl>
                                         <p:attrNameLst>
                                           <p:attrName>style.visibility</p:attrName>
@@ -25246,7 +25271,7 @@
                                           </p:stCondLst>
                                         </p:cTn>
                                         <p:tgtEl>
-                                          <p:spTgt spid="62"/>
+                                          <p:spTgt spid="60"/>
                                         </p:tgtEl>
                                         <p:attrNameLst>
                                           <p:attrName>style.visibility</p:attrName>
@@ -25273,61 +25298,7 @@
                                           </p:stCondLst>
                                         </p:cTn>
                                         <p:tgtEl>
-                                          <p:spTgt spid="30"/>
-                                        </p:tgtEl>
-                                        <p:attrNameLst>
-                                          <p:attrName>style.visibility</p:attrName>
-                                        </p:attrNameLst>
-                                      </p:cBhvr>
-                                      <p:to>
-                                        <p:strVal val="visible"/>
-                                      </p:to>
-                                    </p:set>
-                                  </p:childTnLst>
-                                </p:cTn>
-                              </p:par>
-                              <p:par>
-                                <p:cTn id="40" presetID="1" presetClass="entr" presetSubtype="0" fill="hold" grpId="0" nodeType="withEffect">
-                                  <p:stCondLst>
-                                    <p:cond delay="0"/>
-                                  </p:stCondLst>
-                                  <p:childTnLst>
-                                    <p:set>
-                                      <p:cBhvr>
-                                        <p:cTn id="41" dur="1" fill="hold">
-                                          <p:stCondLst>
-                                            <p:cond delay="0"/>
-                                          </p:stCondLst>
-                                        </p:cTn>
-                                        <p:tgtEl>
-                                          <p:spTgt spid="29"/>
-                                        </p:tgtEl>
-                                        <p:attrNameLst>
-                                          <p:attrName>style.visibility</p:attrName>
-                                        </p:attrNameLst>
-                                      </p:cBhvr>
-                                      <p:to>
-                                        <p:strVal val="visible"/>
-                                      </p:to>
-                                    </p:set>
-                                  </p:childTnLst>
-                                </p:cTn>
-                              </p:par>
-                              <p:par>
-                                <p:cTn id="42" presetID="1" presetClass="entr" presetSubtype="0" fill="hold" grpId="0" nodeType="withEffect">
-                                  <p:stCondLst>
-                                    <p:cond delay="0"/>
-                                  </p:stCondLst>
-                                  <p:childTnLst>
-                                    <p:set>
-                                      <p:cBhvr>
-                                        <p:cTn id="43" dur="1" fill="hold">
-                                          <p:stCondLst>
-                                            <p:cond delay="0"/>
-                                          </p:stCondLst>
-                                        </p:cTn>
-                                        <p:tgtEl>
-                                          <p:spTgt spid="28"/>
+                                          <p:spTgt spid="23"/>
                                         </p:tgtEl>
                                         <p:attrNameLst>
                                           <p:attrName>style.visibility</p:attrName>
@@ -25347,26 +25318,26 @@
                     </p:cTn>
                   </p:par>
                   <p:par>
-                    <p:cTn id="44" fill="hold">
+                    <p:cTn id="40" fill="hold">
                       <p:stCondLst>
                         <p:cond delay="indefinite"/>
                       </p:stCondLst>
                       <p:childTnLst>
                         <p:par>
-                          <p:cTn id="45" fill="hold">
+                          <p:cTn id="41" fill="hold">
                             <p:stCondLst>
                               <p:cond delay="0"/>
                             </p:stCondLst>
                             <p:childTnLst>
                               <p:par>
-                                <p:cTn id="46" presetID="1" presetClass="entr" presetSubtype="0" fill="hold" grpId="0" nodeType="clickEffect">
+                                <p:cTn id="42" presetID="1" presetClass="entr" presetSubtype="0" fill="hold" grpId="0" nodeType="clickEffect">
                                   <p:stCondLst>
                                     <p:cond delay="0"/>
                                   </p:stCondLst>
                                   <p:childTnLst>
                                     <p:set>
                                       <p:cBhvr>
-                                        <p:cTn id="47" dur="1" fill="hold">
+                                        <p:cTn id="43" dur="1" fill="hold">
                                           <p:stCondLst>
                                             <p:cond delay="0"/>
                                           </p:stCondLst>
@@ -25386,20 +25357,20 @@
                                 </p:cTn>
                               </p:par>
                               <p:par>
-                                <p:cTn id="48" presetID="1" presetClass="entr" presetSubtype="0" fill="hold" nodeType="withEffect">
+                                <p:cTn id="44" presetID="1" presetClass="entr" presetSubtype="0" fill="hold" nodeType="withEffect">
                                   <p:stCondLst>
                                     <p:cond delay="0"/>
                                   </p:stCondLst>
                                   <p:childTnLst>
                                     <p:set>
                                       <p:cBhvr>
-                                        <p:cTn id="49" dur="1" fill="hold">
+                                        <p:cTn id="45" dur="1" fill="hold">
                                           <p:stCondLst>
                                             <p:cond delay="0"/>
                                           </p:stCondLst>
                                         </p:cTn>
                                         <p:tgtEl>
-                                          <p:spTgt spid="64"/>
+                                          <p:spTgt spid="62"/>
                                         </p:tgtEl>
                                         <p:attrNameLst>
                                           <p:attrName>style.visibility</p:attrName>
@@ -25413,14 +25384,14 @@
                                 </p:cTn>
                               </p:par>
                               <p:par>
-                                <p:cTn id="50" presetID="1" presetClass="entr" presetSubtype="0" fill="hold" grpId="0" nodeType="withEffect">
+                                <p:cTn id="46" presetID="1" presetClass="entr" presetSubtype="0" fill="hold" grpId="0" nodeType="withEffect">
                                   <p:stCondLst>
                                     <p:cond delay="0"/>
                                   </p:stCondLst>
                                   <p:childTnLst>
                                     <p:set>
                                       <p:cBhvr>
-                                        <p:cTn id="51" dur="1" fill="hold">
+                                        <p:cTn id="47" dur="1" fill="hold">
                                           <p:stCondLst>
                                             <p:cond delay="0"/>
                                           </p:stCondLst>
@@ -25446,32 +25417,32 @@
                     </p:cTn>
                   </p:par>
                   <p:par>
-                    <p:cTn id="52" fill="hold">
+                    <p:cTn id="48" fill="hold">
                       <p:stCondLst>
                         <p:cond delay="indefinite"/>
                       </p:stCondLst>
                       <p:childTnLst>
                         <p:par>
-                          <p:cTn id="53" fill="hold">
+                          <p:cTn id="49" fill="hold">
                             <p:stCondLst>
                               <p:cond delay="0"/>
                             </p:stCondLst>
                             <p:childTnLst>
                               <p:par>
-                                <p:cTn id="54" presetID="1" presetClass="entr" presetSubtype="0" fill="hold" grpId="0" nodeType="clickEffect">
+                                <p:cTn id="50" presetID="1" presetClass="entr" presetSubtype="0" fill="hold" nodeType="clickEffect">
                                   <p:stCondLst>
                                     <p:cond delay="0"/>
                                   </p:stCondLst>
                                   <p:childTnLst>
                                     <p:set>
                                       <p:cBhvr>
-                                        <p:cTn id="55" dur="1" fill="hold">
+                                        <p:cTn id="51" dur="1" fill="hold">
                                           <p:stCondLst>
                                             <p:cond delay="0"/>
                                           </p:stCondLst>
                                         </p:cTn>
                                         <p:tgtEl>
-                                          <p:spTgt spid="46"/>
+                                          <p:spTgt spid="64"/>
                                         </p:tgtEl>
                                         <p:attrNameLst>
                                           <p:attrName>style.visibility</p:attrName>
@@ -25485,7 +25456,52 @@
                                 </p:cTn>
                               </p:par>
                               <p:par>
-                                <p:cTn id="56" presetID="1" presetClass="entr" presetSubtype="0" fill="hold" grpId="0" nodeType="withEffect">
+                                <p:cTn id="52" presetID="1" presetClass="entr" presetSubtype="0" fill="hold" grpId="0" nodeType="withEffect">
+                                  <p:stCondLst>
+                                    <p:cond delay="0"/>
+                                  </p:stCondLst>
+                                  <p:childTnLst>
+                                    <p:set>
+                                      <p:cBhvr>
+                                        <p:cTn id="53" dur="1" fill="hold">
+                                          <p:stCondLst>
+                                            <p:cond delay="0"/>
+                                          </p:stCondLst>
+                                        </p:cTn>
+                                        <p:tgtEl>
+                                          <p:spTgt spid="10"/>
+                                        </p:tgtEl>
+                                        <p:attrNameLst>
+                                          <p:attrName>style.visibility</p:attrName>
+                                        </p:attrNameLst>
+                                      </p:cBhvr>
+                                      <p:to>
+                                        <p:strVal val="visible"/>
+                                      </p:to>
+                                    </p:set>
+                                  </p:childTnLst>
+                                </p:cTn>
+                              </p:par>
+                            </p:childTnLst>
+                          </p:cTn>
+                        </p:par>
+                      </p:childTnLst>
+                    </p:cTn>
+                  </p:par>
+                  <p:par>
+                    <p:cTn id="54" fill="hold">
+                      <p:stCondLst>
+                        <p:cond delay="indefinite"/>
+                      </p:stCondLst>
+                      <p:childTnLst>
+                        <p:par>
+                          <p:cTn id="55" fill="hold">
+                            <p:stCondLst>
+                              <p:cond delay="0"/>
+                            </p:stCondLst>
+                            <p:childTnLst>
+                              <p:par>
+                                <p:cTn id="56" presetID="1" presetClass="entr" presetSubtype="0" fill="hold" grpId="0" nodeType="clickEffect">
                                   <p:stCondLst>
                                     <p:cond delay="0"/>
                                   </p:stCondLst>
@@ -25498,7 +25514,7 @@
                                           </p:stCondLst>
                                         </p:cTn>
                                         <p:tgtEl>
-                                          <p:spTgt spid="31"/>
+                                          <p:spTgt spid="46"/>
                                         </p:tgtEl>
                                         <p:attrNameLst>
                                           <p:attrName>style.visibility</p:attrName>
@@ -25525,7 +25541,7 @@
                                           </p:stCondLst>
                                         </p:cTn>
                                         <p:tgtEl>
-                                          <p:spTgt spid="32"/>
+                                          <p:spTgt spid="34"/>
                                         </p:tgtEl>
                                         <p:attrNameLst>
                                           <p:attrName>style.visibility</p:attrName>
@@ -25552,7 +25568,7 @@
                                           </p:stCondLst>
                                         </p:cTn>
                                         <p:tgtEl>
-                                          <p:spTgt spid="33"/>
+                                          <p:spTgt spid="31"/>
                                         </p:tgtEl>
                                         <p:attrNameLst>
                                           <p:attrName>style.visibility</p:attrName>
@@ -25579,7 +25595,7 @@
                                           </p:stCondLst>
                                         </p:cTn>
                                         <p:tgtEl>
-                                          <p:spTgt spid="24"/>
+                                          <p:spTgt spid="32"/>
                                         </p:tgtEl>
                                         <p:attrNameLst>
                                           <p:attrName>style.visibility</p:attrName>
@@ -25593,7 +25609,7 @@
                                 </p:cTn>
                               </p:par>
                               <p:par>
-                                <p:cTn id="64" presetID="1" presetClass="entr" presetSubtype="0" fill="hold" nodeType="withEffect">
+                                <p:cTn id="64" presetID="1" presetClass="entr" presetSubtype="0" fill="hold" grpId="0" nodeType="withEffect">
                                   <p:stCondLst>
                                     <p:cond delay="0"/>
                                   </p:stCondLst>
@@ -25606,7 +25622,7 @@
                                           </p:stCondLst>
                                         </p:cTn>
                                         <p:tgtEl>
-                                          <p:spTgt spid="66"/>
+                                          <p:spTgt spid="33"/>
                                         </p:tgtEl>
                                         <p:attrNameLst>
                                           <p:attrName>style.visibility</p:attrName>
@@ -25633,7 +25649,34 @@
                                           </p:stCondLst>
                                         </p:cTn>
                                         <p:tgtEl>
-                                          <p:spTgt spid="34"/>
+                                          <p:spTgt spid="24"/>
+                                        </p:tgtEl>
+                                        <p:attrNameLst>
+                                          <p:attrName>style.visibility</p:attrName>
+                                        </p:attrNameLst>
+                                      </p:cBhvr>
+                                      <p:to>
+                                        <p:strVal val="visible"/>
+                                      </p:to>
+                                    </p:set>
+                                  </p:childTnLst>
+                                </p:cTn>
+                              </p:par>
+                              <p:par>
+                                <p:cTn id="68" presetID="1" presetClass="entr" presetSubtype="0" fill="hold" nodeType="withEffect">
+                                  <p:stCondLst>
+                                    <p:cond delay="0"/>
+                                  </p:stCondLst>
+                                  <p:childTnLst>
+                                    <p:set>
+                                      <p:cBhvr>
+                                        <p:cTn id="69" dur="1" fill="hold">
+                                          <p:stCondLst>
+                                            <p:cond delay="0"/>
+                                          </p:stCondLst>
+                                        </p:cTn>
+                                        <p:tgtEl>
+                                          <p:spTgt spid="66"/>
                                         </p:tgtEl>
                                         <p:attrNameLst>
                                           <p:attrName>style.visibility</p:attrName>
@@ -25653,46 +25696,19 @@
                     </p:cTn>
                   </p:par>
                   <p:par>
-                    <p:cTn id="68" fill="hold">
+                    <p:cTn id="70" fill="hold">
                       <p:stCondLst>
                         <p:cond delay="indefinite"/>
                       </p:stCondLst>
                       <p:childTnLst>
                         <p:par>
-                          <p:cTn id="69" fill="hold">
+                          <p:cTn id="71" fill="hold">
                             <p:stCondLst>
                               <p:cond delay="0"/>
                             </p:stCondLst>
                             <p:childTnLst>
                               <p:par>
-                                <p:cTn id="70" presetID="1" presetClass="entr" presetSubtype="0" fill="hold" grpId="0" nodeType="clickEffect">
-                                  <p:stCondLst>
-                                    <p:cond delay="0"/>
-                                  </p:stCondLst>
-                                  <p:childTnLst>
-                                    <p:set>
-                                      <p:cBhvr>
-                                        <p:cTn id="71" dur="1" fill="hold">
-                                          <p:stCondLst>
-                                            <p:cond delay="0"/>
-                                          </p:stCondLst>
-                                        </p:cTn>
-                                        <p:tgtEl>
-                                          <p:spTgt spid="48"/>
-                                        </p:tgtEl>
-                                        <p:attrNameLst>
-                                          <p:attrName>style.visibility</p:attrName>
-                                        </p:attrNameLst>
-                                      </p:cBhvr>
-                                      <p:to>
-                                        <p:strVal val="visible"/>
-                                      </p:to>
-                                    </p:set>
-                                  </p:childTnLst>
-                                </p:cTn>
-                              </p:par>
-                              <p:par>
-                                <p:cTn id="72" presetID="1" presetClass="entr" presetSubtype="0" fill="hold" grpId="0" nodeType="withEffect">
+                                <p:cTn id="72" presetID="1" presetClass="entr" presetSubtype="0" fill="hold" grpId="0" nodeType="clickEffect">
                                   <p:stCondLst>
                                     <p:cond delay="0"/>
                                   </p:stCondLst>
@@ -25705,7 +25721,7 @@
                                           </p:stCondLst>
                                         </p:cTn>
                                         <p:tgtEl>
-                                          <p:spTgt spid="42"/>
+                                          <p:spTgt spid="48"/>
                                         </p:tgtEl>
                                         <p:attrNameLst>
                                           <p:attrName>style.visibility</p:attrName>
@@ -25733,6 +25749,33 @@
                                         </p:cTn>
                                         <p:tgtEl>
                                           <p:spTgt spid="13"/>
+                                        </p:tgtEl>
+                                        <p:attrNameLst>
+                                          <p:attrName>style.visibility</p:attrName>
+                                        </p:attrNameLst>
+                                      </p:cBhvr>
+                                      <p:to>
+                                        <p:strVal val="visible"/>
+                                      </p:to>
+                                    </p:set>
+                                  </p:childTnLst>
+                                </p:cTn>
+                              </p:par>
+                              <p:par>
+                                <p:cTn id="76" presetID="1" presetClass="entr" presetSubtype="0" fill="hold" grpId="0" nodeType="withEffect">
+                                  <p:stCondLst>
+                                    <p:cond delay="0"/>
+                                  </p:stCondLst>
+                                  <p:childTnLst>
+                                    <p:set>
+                                      <p:cBhvr>
+                                        <p:cTn id="77" dur="1" fill="hold">
+                                          <p:stCondLst>
+                                            <p:cond delay="0"/>
+                                          </p:stCondLst>
+                                        </p:cTn>
+                                        <p:tgtEl>
+                                          <p:spTgt spid="42"/>
                                         </p:tgtEl>
                                         <p:attrNameLst>
                                           <p:attrName>style.visibility</p:attrName>
